--- a/7- C# Arreglos y listas/7- C# Arreglos y listas.pptx
+++ b/7- C# Arreglos y listas/7- C# Arreglos y listas.pptx
@@ -5,7 +5,7 @@
     <p:sldMasterId id="2147483780" r:id="rId1"/>
   </p:sldMasterIdLst>
   <p:notesMasterIdLst>
-    <p:notesMasterId r:id="rId27"/>
+    <p:notesMasterId r:id="rId19"/>
   </p:notesMasterIdLst>
   <p:sldIdLst>
     <p:sldId id="256" r:id="rId2"/>
@@ -24,15 +24,7 @@
     <p:sldId id="297" r:id="rId15"/>
     <p:sldId id="298" r:id="rId16"/>
     <p:sldId id="303" r:id="rId17"/>
-    <p:sldId id="309" r:id="rId18"/>
-    <p:sldId id="311" r:id="rId19"/>
-    <p:sldId id="310" r:id="rId20"/>
-    <p:sldId id="312" r:id="rId21"/>
-    <p:sldId id="304" r:id="rId22"/>
-    <p:sldId id="305" r:id="rId23"/>
-    <p:sldId id="306" r:id="rId24"/>
-    <p:sldId id="308" r:id="rId25"/>
-    <p:sldId id="281" r:id="rId26"/>
+    <p:sldId id="281" r:id="rId18"/>
   </p:sldIdLst>
   <p:sldSz cx="9144000" cy="6858000" type="screen4x3"/>
   <p:notesSz cx="6858000" cy="9144000"/>
@@ -150,6 +142,10 @@
 </p:presentation>
 </file>
 
+<file path=ppt/revisionInfo.xml><?xml version="1.0" encoding="utf-8"?>
+<p1510:revInfo xmlns:a="http://schemas.openxmlformats.org/drawingml/2006/main" xmlns:r="http://schemas.openxmlformats.org/officeDocument/2006/relationships" xmlns:p1510="http://schemas.microsoft.com/office/powerpoint/2015/10/main"/>
+</file>
+
 <file path=ppt/notesMasters/notesMaster1.xml><?xml version="1.0" encoding="utf-8"?>
 <p:notesMaster xmlns:a="http://schemas.openxmlformats.org/drawingml/2006/main" xmlns:r="http://schemas.openxmlformats.org/officeDocument/2006/relationships" xmlns:p="http://schemas.openxmlformats.org/presentationml/2006/main">
   <p:cSld>
@@ -233,7 +229,7 @@
             <a:fld id="{9AE5E7AA-5A36-4DCE-9FB2-C049F4DC365A}" type="datetimeFigureOut">
               <a:rPr lang="es-ES" smtClean="0"/>
               <a:pPr/>
-              <a:t>31/08/2016</a:t>
+              <a:t>30/08/2017</a:t>
             </a:fld>
             <a:endParaRPr lang="es-ES"/>
           </a:p>
@@ -299,38 +295,37 @@
           <a:p>
             <a:pPr lvl="0"/>
             <a:r>
-              <a:rPr lang="es-ES" smtClean="0"/>
+              <a:rPr lang="es-ES"/>
               <a:t>Haga clic para modificar el estilo de texto del patrón</a:t>
             </a:r>
           </a:p>
           <a:p>
             <a:pPr lvl="1"/>
             <a:r>
-              <a:rPr lang="es-ES" smtClean="0"/>
+              <a:rPr lang="es-ES"/>
               <a:t>Segundo nivel</a:t>
             </a:r>
           </a:p>
           <a:p>
             <a:pPr lvl="2"/>
             <a:r>
-              <a:rPr lang="es-ES" smtClean="0"/>
+              <a:rPr lang="es-ES"/>
               <a:t>Tercer nivel</a:t>
             </a:r>
           </a:p>
           <a:p>
             <a:pPr lvl="3"/>
             <a:r>
-              <a:rPr lang="es-ES" smtClean="0"/>
+              <a:rPr lang="es-ES"/>
               <a:t>Cuarto nivel</a:t>
             </a:r>
           </a:p>
           <a:p>
             <a:pPr lvl="4"/>
             <a:r>
-              <a:rPr lang="es-ES" smtClean="0"/>
+              <a:rPr lang="es-ES"/>
               <a:t>Quinto nivel</a:t>
             </a:r>
-            <a:endParaRPr lang="es-ES"/>
           </a:p>
         </p:txBody>
       </p:sp>
@@ -551,7 +546,7 @@
           <a:lstStyle/>
           <a:p>
             <a:r>
-              <a:rPr lang="es-ES" sz="1200" b="0" i="0" u="none" strike="noStrike" kern="1200" dirty="0" smtClean="0">
+              <a:rPr lang="es-ES" sz="1200" b="0" i="0" u="none" strike="noStrike" kern="1200" dirty="0">
                 <a:solidFill>
                   <a:srgbClr val="000000"/>
                 </a:solidFill>
@@ -840,7 +835,7 @@
             <a:fld id="{9934B0C7-C44F-40F6-9D56-56F683497096}" type="slidenum">
               <a:rPr lang="es-ES" smtClean="0"/>
               <a:pPr/>
-              <a:t>25</a:t>
+              <a:t>17</a:t>
             </a:fld>
             <a:endParaRPr lang="es-ES"/>
           </a:p>
@@ -992,7 +987,7 @@
           </a:lstStyle>
           <a:p>
             <a:r>
-              <a:rPr kumimoji="0" lang="es-ES" smtClean="0"/>
+              <a:rPr kumimoji="0" lang="es-ES"/>
               <a:t>Haga clic para modificar el estilo de título del patrón</a:t>
             </a:r>
             <a:endParaRPr kumimoji="0" lang="en-US"/>
@@ -1054,7 +1049,7 @@
           </a:lstStyle>
           <a:p>
             <a:r>
-              <a:rPr kumimoji="0" lang="es-ES" smtClean="0"/>
+              <a:rPr kumimoji="0" lang="es-ES"/>
               <a:t>Haga clic para modificar el estilo de subtítulo del patrón</a:t>
             </a:r>
             <a:endParaRPr kumimoji="0" lang="en-US"/>
@@ -1477,7 +1472,7 @@
             <a:fld id="{239704C4-DA6F-42E0-8B22-3264675741E3}" type="datetime1">
               <a:rPr lang="es-ES" smtClean="0"/>
               <a:pPr/>
-              <a:t>31/08/2016</a:t>
+              <a:t>30/08/2017</a:t>
             </a:fld>
             <a:endParaRPr lang="es-ES"/>
           </a:p>
@@ -1510,10 +1505,9 @@
           </a:lstStyle>
           <a:p>
             <a:r>
-              <a:rPr lang="es-ES" smtClean="0"/>
+              <a:rPr lang="es-ES"/>
               <a:t>EMPLEARTEC CONTROL+F / CONTROL+A</a:t>
             </a:r>
-            <a:endParaRPr lang="es-ES"/>
           </a:p>
         </p:txBody>
       </p:sp>
@@ -1591,7 +1585,7 @@
           <a:lstStyle/>
           <a:p>
             <a:r>
-              <a:rPr kumimoji="0" lang="es-ES" smtClean="0"/>
+              <a:rPr kumimoji="0" lang="es-ES"/>
               <a:t>Haga clic para modificar el estilo de título del patrón</a:t>
             </a:r>
             <a:endParaRPr kumimoji="0" lang="en-US"/>
@@ -1620,35 +1614,35 @@
           <a:p>
             <a:pPr lvl="0" eaLnBrk="1" latinLnBrk="0" hangingPunct="1"/>
             <a:r>
-              <a:rPr lang="es-ES" smtClean="0"/>
+              <a:rPr lang="es-ES"/>
               <a:t>Haga clic para modificar el estilo de texto del patrón</a:t>
             </a:r>
           </a:p>
           <a:p>
             <a:pPr lvl="1" eaLnBrk="1" latinLnBrk="0" hangingPunct="1"/>
             <a:r>
-              <a:rPr lang="es-ES" smtClean="0"/>
+              <a:rPr lang="es-ES"/>
               <a:t>Segundo nivel</a:t>
             </a:r>
           </a:p>
           <a:p>
             <a:pPr lvl="2" eaLnBrk="1" latinLnBrk="0" hangingPunct="1"/>
             <a:r>
-              <a:rPr lang="es-ES" smtClean="0"/>
+              <a:rPr lang="es-ES"/>
               <a:t>Tercer nivel</a:t>
             </a:r>
           </a:p>
           <a:p>
             <a:pPr lvl="3" eaLnBrk="1" latinLnBrk="0" hangingPunct="1"/>
             <a:r>
-              <a:rPr lang="es-ES" smtClean="0"/>
+              <a:rPr lang="es-ES"/>
               <a:t>Cuarto nivel</a:t>
             </a:r>
           </a:p>
           <a:p>
             <a:pPr lvl="4" eaLnBrk="1" latinLnBrk="0" hangingPunct="1"/>
             <a:r>
-              <a:rPr lang="es-ES" smtClean="0"/>
+              <a:rPr lang="es-ES"/>
               <a:t>Quinto nivel</a:t>
             </a:r>
             <a:endParaRPr kumimoji="0" lang="en-US"/>
@@ -1673,7 +1667,7 @@
             <a:fld id="{8B8C421A-2FDD-4D0F-9DE4-2FBF0F5BC02B}" type="datetime1">
               <a:rPr lang="es-ES" smtClean="0"/>
               <a:pPr/>
-              <a:t>31/08/2016</a:t>
+              <a:t>30/08/2017</a:t>
             </a:fld>
             <a:endParaRPr lang="es-ES"/>
           </a:p>
@@ -1695,10 +1689,9 @@
           <a:lstStyle/>
           <a:p>
             <a:r>
-              <a:rPr lang="es-ES" smtClean="0"/>
+              <a:rPr lang="es-ES"/>
               <a:t>EMPLEARTEC CONTROL+F / CONTROL+A</a:t>
             </a:r>
-            <a:endParaRPr lang="es-ES"/>
           </a:p>
         </p:txBody>
       </p:sp>
@@ -1772,7 +1765,7 @@
           <a:lstStyle/>
           <a:p>
             <a:r>
-              <a:rPr kumimoji="0" lang="es-ES" smtClean="0"/>
+              <a:rPr kumimoji="0" lang="es-ES"/>
               <a:t>Haga clic para modificar el estilo de título del patrón</a:t>
             </a:r>
             <a:endParaRPr kumimoji="0" lang="en-US"/>
@@ -1801,35 +1794,35 @@
           <a:p>
             <a:pPr lvl="0" eaLnBrk="1" latinLnBrk="0" hangingPunct="1"/>
             <a:r>
-              <a:rPr lang="es-ES" smtClean="0"/>
+              <a:rPr lang="es-ES"/>
               <a:t>Haga clic para modificar el estilo de texto del patrón</a:t>
             </a:r>
           </a:p>
           <a:p>
             <a:pPr lvl="1" eaLnBrk="1" latinLnBrk="0" hangingPunct="1"/>
             <a:r>
-              <a:rPr lang="es-ES" smtClean="0"/>
+              <a:rPr lang="es-ES"/>
               <a:t>Segundo nivel</a:t>
             </a:r>
           </a:p>
           <a:p>
             <a:pPr lvl="2" eaLnBrk="1" latinLnBrk="0" hangingPunct="1"/>
             <a:r>
-              <a:rPr lang="es-ES" smtClean="0"/>
+              <a:rPr lang="es-ES"/>
               <a:t>Tercer nivel</a:t>
             </a:r>
           </a:p>
           <a:p>
             <a:pPr lvl="3" eaLnBrk="1" latinLnBrk="0" hangingPunct="1"/>
             <a:r>
-              <a:rPr lang="es-ES" smtClean="0"/>
+              <a:rPr lang="es-ES"/>
               <a:t>Cuarto nivel</a:t>
             </a:r>
           </a:p>
           <a:p>
             <a:pPr lvl="4" eaLnBrk="1" latinLnBrk="0" hangingPunct="1"/>
             <a:r>
-              <a:rPr lang="es-ES" smtClean="0"/>
+              <a:rPr lang="es-ES"/>
               <a:t>Quinto nivel</a:t>
             </a:r>
             <a:endParaRPr kumimoji="0" lang="en-US"/>
@@ -1854,7 +1847,7 @@
             <a:fld id="{B39FE55D-40D9-47BA-8992-C30699769EB5}" type="datetime1">
               <a:rPr lang="es-ES" smtClean="0"/>
               <a:pPr/>
-              <a:t>31/08/2016</a:t>
+              <a:t>30/08/2017</a:t>
             </a:fld>
             <a:endParaRPr lang="es-ES"/>
           </a:p>
@@ -1876,10 +1869,9 @@
           <a:lstStyle/>
           <a:p>
             <a:r>
-              <a:rPr lang="es-ES" smtClean="0"/>
+              <a:rPr lang="es-ES"/>
               <a:t>EMPLEARTEC CONTROL+F / CONTROL+A</a:t>
             </a:r>
-            <a:endParaRPr lang="es-ES"/>
           </a:p>
         </p:txBody>
       </p:sp>
@@ -1949,35 +1941,35 @@
           <a:p>
             <a:pPr lvl="0" eaLnBrk="1" latinLnBrk="0" hangingPunct="1"/>
             <a:r>
-              <a:rPr lang="es-ES" smtClean="0"/>
+              <a:rPr lang="es-ES"/>
               <a:t>Haga clic para modificar el estilo de texto del patrón</a:t>
             </a:r>
           </a:p>
           <a:p>
             <a:pPr lvl="1" eaLnBrk="1" latinLnBrk="0" hangingPunct="1"/>
             <a:r>
-              <a:rPr lang="es-ES" smtClean="0"/>
+              <a:rPr lang="es-ES"/>
               <a:t>Segundo nivel</a:t>
             </a:r>
           </a:p>
           <a:p>
             <a:pPr lvl="2" eaLnBrk="1" latinLnBrk="0" hangingPunct="1"/>
             <a:r>
-              <a:rPr lang="es-ES" smtClean="0"/>
+              <a:rPr lang="es-ES"/>
               <a:t>Tercer nivel</a:t>
             </a:r>
           </a:p>
           <a:p>
             <a:pPr lvl="3" eaLnBrk="1" latinLnBrk="0" hangingPunct="1"/>
             <a:r>
-              <a:rPr lang="es-ES" smtClean="0"/>
+              <a:rPr lang="es-ES"/>
               <a:t>Cuarto nivel</a:t>
             </a:r>
           </a:p>
           <a:p>
             <a:pPr lvl="4" eaLnBrk="1" latinLnBrk="0" hangingPunct="1"/>
             <a:r>
-              <a:rPr lang="es-ES" smtClean="0"/>
+              <a:rPr lang="es-ES"/>
               <a:t>Quinto nivel</a:t>
             </a:r>
             <a:endParaRPr kumimoji="0" lang="en-US"/>
@@ -2002,7 +1994,7 @@
             <a:fld id="{9D2E3949-061D-4852-8E9D-F980F0775286}" type="datetime1">
               <a:rPr lang="es-ES" smtClean="0"/>
               <a:pPr/>
-              <a:t>31/08/2016</a:t>
+              <a:t>30/08/2017</a:t>
             </a:fld>
             <a:endParaRPr lang="es-ES"/>
           </a:p>
@@ -2024,10 +2016,9 @@
           <a:lstStyle/>
           <a:p>
             <a:r>
-              <a:rPr lang="es-ES" smtClean="0"/>
+              <a:rPr lang="es-ES"/>
               <a:t>EMPLEARTEC CONTROL+F / CONTROL+A</a:t>
             </a:r>
-            <a:endParaRPr lang="es-ES"/>
           </a:p>
         </p:txBody>
       </p:sp>
@@ -2071,7 +2062,7 @@
           <a:lstStyle/>
           <a:p>
             <a:r>
-              <a:rPr kumimoji="0" lang="es-ES" smtClean="0"/>
+              <a:rPr kumimoji="0" lang="es-ES"/>
               <a:t>Haga clic para modificar el estilo de título del patrón</a:t>
             </a:r>
             <a:endParaRPr kumimoji="0" lang="en-US"/>
@@ -2152,7 +2143,7 @@
           </a:lstStyle>
           <a:p>
             <a:r>
-              <a:rPr kumimoji="0" lang="es-ES" smtClean="0"/>
+              <a:rPr kumimoji="0" lang="es-ES"/>
               <a:t>Haga clic para modificar el estilo de título del patrón</a:t>
             </a:r>
             <a:endParaRPr kumimoji="0" lang="en-US"/>
@@ -2231,7 +2222,7 @@
           <a:p>
             <a:pPr lvl="0" eaLnBrk="1" latinLnBrk="0" hangingPunct="1"/>
             <a:r>
-              <a:rPr kumimoji="0" lang="es-ES" smtClean="0"/>
+              <a:rPr kumimoji="0" lang="es-ES"/>
               <a:t>Haga clic para modificar el estilo de texto del patrón</a:t>
             </a:r>
           </a:p>
@@ -2255,7 +2246,7 @@
             <a:fld id="{F866E4E8-7B50-49DA-B1EF-501D395A21AD}" type="datetime1">
               <a:rPr lang="es-ES" smtClean="0"/>
               <a:pPr/>
-              <a:t>31/08/2016</a:t>
+              <a:t>30/08/2017</a:t>
             </a:fld>
             <a:endParaRPr lang="es-ES"/>
           </a:p>
@@ -2277,10 +2268,9 @@
           <a:lstStyle/>
           <a:p>
             <a:r>
-              <a:rPr lang="es-ES" smtClean="0"/>
+              <a:rPr lang="es-ES"/>
               <a:t>EMPLEARTEC CONTROL+F / CONTROL+A</a:t>
             </a:r>
-            <a:endParaRPr lang="es-ES"/>
           </a:p>
         </p:txBody>
       </p:sp>
@@ -2533,35 +2523,35 @@
           <a:p>
             <a:pPr lvl="0" eaLnBrk="1" latinLnBrk="0" hangingPunct="1"/>
             <a:r>
-              <a:rPr lang="es-ES" smtClean="0"/>
+              <a:rPr lang="es-ES"/>
               <a:t>Haga clic para modificar el estilo de texto del patrón</a:t>
             </a:r>
           </a:p>
           <a:p>
             <a:pPr lvl="1" eaLnBrk="1" latinLnBrk="0" hangingPunct="1"/>
             <a:r>
-              <a:rPr lang="es-ES" smtClean="0"/>
+              <a:rPr lang="es-ES"/>
               <a:t>Segundo nivel</a:t>
             </a:r>
           </a:p>
           <a:p>
             <a:pPr lvl="2" eaLnBrk="1" latinLnBrk="0" hangingPunct="1"/>
             <a:r>
-              <a:rPr lang="es-ES" smtClean="0"/>
+              <a:rPr lang="es-ES"/>
               <a:t>Tercer nivel</a:t>
             </a:r>
           </a:p>
           <a:p>
             <a:pPr lvl="3" eaLnBrk="1" latinLnBrk="0" hangingPunct="1"/>
             <a:r>
-              <a:rPr lang="es-ES" smtClean="0"/>
+              <a:rPr lang="es-ES"/>
               <a:t>Cuarto nivel</a:t>
             </a:r>
           </a:p>
           <a:p>
             <a:pPr lvl="4" eaLnBrk="1" latinLnBrk="0" hangingPunct="1"/>
             <a:r>
-              <a:rPr lang="es-ES" smtClean="0"/>
+              <a:rPr lang="es-ES"/>
               <a:t>Quinto nivel</a:t>
             </a:r>
             <a:endParaRPr kumimoji="0" lang="en-US"/>
@@ -2607,35 +2597,35 @@
           <a:p>
             <a:pPr lvl="0" eaLnBrk="1" latinLnBrk="0" hangingPunct="1"/>
             <a:r>
-              <a:rPr lang="es-ES" smtClean="0"/>
+              <a:rPr lang="es-ES"/>
               <a:t>Haga clic para modificar el estilo de texto del patrón</a:t>
             </a:r>
           </a:p>
           <a:p>
             <a:pPr lvl="1" eaLnBrk="1" latinLnBrk="0" hangingPunct="1"/>
             <a:r>
-              <a:rPr lang="es-ES" smtClean="0"/>
+              <a:rPr lang="es-ES"/>
               <a:t>Segundo nivel</a:t>
             </a:r>
           </a:p>
           <a:p>
             <a:pPr lvl="2" eaLnBrk="1" latinLnBrk="0" hangingPunct="1"/>
             <a:r>
-              <a:rPr lang="es-ES" smtClean="0"/>
+              <a:rPr lang="es-ES"/>
               <a:t>Tercer nivel</a:t>
             </a:r>
           </a:p>
           <a:p>
             <a:pPr lvl="3" eaLnBrk="1" latinLnBrk="0" hangingPunct="1"/>
             <a:r>
-              <a:rPr lang="es-ES" smtClean="0"/>
+              <a:rPr lang="es-ES"/>
               <a:t>Cuarto nivel</a:t>
             </a:r>
           </a:p>
           <a:p>
             <a:pPr lvl="4" eaLnBrk="1" latinLnBrk="0" hangingPunct="1"/>
             <a:r>
-              <a:rPr lang="es-ES" smtClean="0"/>
+              <a:rPr lang="es-ES"/>
               <a:t>Quinto nivel</a:t>
             </a:r>
             <a:endParaRPr kumimoji="0" lang="en-US"/>
@@ -2660,7 +2650,7 @@
             <a:fld id="{4706EDA9-5F22-4681-9CD7-EC921B90E716}" type="datetime1">
               <a:rPr lang="es-ES" smtClean="0"/>
               <a:pPr/>
-              <a:t>31/08/2016</a:t>
+              <a:t>30/08/2017</a:t>
             </a:fld>
             <a:endParaRPr lang="es-ES"/>
           </a:p>
@@ -2682,10 +2672,9 @@
           <a:lstStyle/>
           <a:p>
             <a:r>
-              <a:rPr lang="es-ES" smtClean="0"/>
+              <a:rPr lang="es-ES"/>
               <a:t>EMPLEARTEC CONTROL+F / CONTROL+A</a:t>
             </a:r>
-            <a:endParaRPr lang="es-ES"/>
           </a:p>
         </p:txBody>
       </p:sp>
@@ -2729,7 +2718,7 @@
           <a:lstStyle/>
           <a:p>
             <a:r>
-              <a:rPr kumimoji="0" lang="es-ES" smtClean="0"/>
+              <a:rPr kumimoji="0" lang="es-ES"/>
               <a:t>Haga clic para modificar el estilo de título del patrón</a:t>
             </a:r>
             <a:endParaRPr kumimoji="0" lang="en-US"/>
@@ -2792,7 +2781,7 @@
           </a:lstStyle>
           <a:p>
             <a:r>
-              <a:rPr kumimoji="0" lang="es-ES" smtClean="0"/>
+              <a:rPr kumimoji="0" lang="es-ES"/>
               <a:t>Haga clic para modificar el estilo de título del patrón</a:t>
             </a:r>
             <a:endParaRPr kumimoji="0" lang="en-US"/>
@@ -2856,7 +2845,7 @@
           <a:p>
             <a:pPr lvl="0" eaLnBrk="1" latinLnBrk="0" hangingPunct="1"/>
             <a:r>
-              <a:rPr kumimoji="0" lang="es-ES" smtClean="0"/>
+              <a:rPr kumimoji="0" lang="es-ES"/>
               <a:t>Haga clic para modificar el estilo de texto del patrón</a:t>
             </a:r>
           </a:p>
@@ -2919,7 +2908,7 @@
           <a:p>
             <a:pPr lvl="0" eaLnBrk="1" latinLnBrk="0" hangingPunct="1"/>
             <a:r>
-              <a:rPr kumimoji="0" lang="es-ES" smtClean="0"/>
+              <a:rPr kumimoji="0" lang="es-ES"/>
               <a:t>Haga clic para modificar el estilo de texto del patrón</a:t>
             </a:r>
           </a:p>
@@ -2969,35 +2958,35 @@
           <a:p>
             <a:pPr lvl="0" eaLnBrk="1" latinLnBrk="0" hangingPunct="1"/>
             <a:r>
-              <a:rPr lang="es-ES" smtClean="0"/>
+              <a:rPr lang="es-ES"/>
               <a:t>Haga clic para modificar el estilo de texto del patrón</a:t>
             </a:r>
           </a:p>
           <a:p>
             <a:pPr lvl="1" eaLnBrk="1" latinLnBrk="0" hangingPunct="1"/>
             <a:r>
-              <a:rPr lang="es-ES" smtClean="0"/>
+              <a:rPr lang="es-ES"/>
               <a:t>Segundo nivel</a:t>
             </a:r>
           </a:p>
           <a:p>
             <a:pPr lvl="2" eaLnBrk="1" latinLnBrk="0" hangingPunct="1"/>
             <a:r>
-              <a:rPr lang="es-ES" smtClean="0"/>
+              <a:rPr lang="es-ES"/>
               <a:t>Tercer nivel</a:t>
             </a:r>
           </a:p>
           <a:p>
             <a:pPr lvl="3" eaLnBrk="1" latinLnBrk="0" hangingPunct="1"/>
             <a:r>
-              <a:rPr lang="es-ES" smtClean="0"/>
+              <a:rPr lang="es-ES"/>
               <a:t>Cuarto nivel</a:t>
             </a:r>
           </a:p>
           <a:p>
             <a:pPr lvl="4" eaLnBrk="1" latinLnBrk="0" hangingPunct="1"/>
             <a:r>
-              <a:rPr lang="es-ES" smtClean="0"/>
+              <a:rPr lang="es-ES"/>
               <a:t>Quinto nivel</a:t>
             </a:r>
             <a:endParaRPr kumimoji="0" lang="en-US"/>
@@ -3051,35 +3040,35 @@
           <a:p>
             <a:pPr lvl="0" eaLnBrk="1" latinLnBrk="0" hangingPunct="1"/>
             <a:r>
-              <a:rPr lang="es-ES" smtClean="0"/>
+              <a:rPr lang="es-ES"/>
               <a:t>Haga clic para modificar el estilo de texto del patrón</a:t>
             </a:r>
           </a:p>
           <a:p>
             <a:pPr lvl="1" eaLnBrk="1" latinLnBrk="0" hangingPunct="1"/>
             <a:r>
-              <a:rPr lang="es-ES" smtClean="0"/>
+              <a:rPr lang="es-ES"/>
               <a:t>Segundo nivel</a:t>
             </a:r>
           </a:p>
           <a:p>
             <a:pPr lvl="2" eaLnBrk="1" latinLnBrk="0" hangingPunct="1"/>
             <a:r>
-              <a:rPr lang="es-ES" smtClean="0"/>
+              <a:rPr lang="es-ES"/>
               <a:t>Tercer nivel</a:t>
             </a:r>
           </a:p>
           <a:p>
             <a:pPr lvl="3" eaLnBrk="1" latinLnBrk="0" hangingPunct="1"/>
             <a:r>
-              <a:rPr lang="es-ES" smtClean="0"/>
+              <a:rPr lang="es-ES"/>
               <a:t>Cuarto nivel</a:t>
             </a:r>
           </a:p>
           <a:p>
             <a:pPr lvl="4" eaLnBrk="1" latinLnBrk="0" hangingPunct="1"/>
             <a:r>
-              <a:rPr lang="es-ES" smtClean="0"/>
+              <a:rPr lang="es-ES"/>
               <a:t>Quinto nivel</a:t>
             </a:r>
             <a:endParaRPr kumimoji="0" lang="en-US"/>
@@ -3104,7 +3093,7 @@
             <a:fld id="{5AAFEBD1-D74D-4336-8CB0-D81CC338C7E4}" type="datetime1">
               <a:rPr lang="es-ES" smtClean="0"/>
               <a:pPr/>
-              <a:t>31/08/2016</a:t>
+              <a:t>30/08/2017</a:t>
             </a:fld>
             <a:endParaRPr lang="es-ES"/>
           </a:p>
@@ -3126,10 +3115,9 @@
           <a:lstStyle/>
           <a:p>
             <a:r>
-              <a:rPr lang="es-ES" smtClean="0"/>
+              <a:rPr lang="es-ES"/>
               <a:t>EMPLEARTEC CONTROL+F / CONTROL+A</a:t>
             </a:r>
-            <a:endParaRPr lang="es-ES"/>
           </a:p>
         </p:txBody>
       </p:sp>
@@ -3205,7 +3193,7 @@
             <a:fld id="{CAB22E82-2206-467B-B4D4-4D7181B4FD8F}" type="datetime1">
               <a:rPr lang="es-ES" smtClean="0"/>
               <a:pPr/>
-              <a:t>31/08/2016</a:t>
+              <a:t>30/08/2017</a:t>
             </a:fld>
             <a:endParaRPr lang="es-ES"/>
           </a:p>
@@ -3227,10 +3215,9 @@
           <a:lstStyle/>
           <a:p>
             <a:r>
-              <a:rPr lang="es-ES" smtClean="0"/>
+              <a:rPr lang="es-ES"/>
               <a:t>EMPLEARTEC CONTROL+F / CONTROL+A</a:t>
             </a:r>
-            <a:endParaRPr lang="es-ES"/>
           </a:p>
         </p:txBody>
       </p:sp>
@@ -3274,7 +3261,7 @@
           <a:lstStyle/>
           <a:p>
             <a:r>
-              <a:rPr kumimoji="0" lang="es-ES" smtClean="0"/>
+              <a:rPr kumimoji="0" lang="es-ES"/>
               <a:t>Haga clic para modificar el estilo de título del patrón</a:t>
             </a:r>
             <a:endParaRPr kumimoji="0" lang="en-US"/>
@@ -3324,7 +3311,7 @@
             <a:fld id="{FDD15159-B491-40DD-B086-794B167A94D1}" type="datetime1">
               <a:rPr lang="es-ES" smtClean="0"/>
               <a:pPr/>
-              <a:t>31/08/2016</a:t>
+              <a:t>30/08/2017</a:t>
             </a:fld>
             <a:endParaRPr lang="es-ES"/>
           </a:p>
@@ -3346,10 +3333,9 @@
           <a:lstStyle/>
           <a:p>
             <a:r>
-              <a:rPr lang="es-ES" smtClean="0"/>
+              <a:rPr lang="es-ES"/>
               <a:t>EMPLEARTEC CONTROL+F / CONTROL+A</a:t>
             </a:r>
-            <a:endParaRPr lang="es-ES"/>
           </a:p>
         </p:txBody>
       </p:sp>
@@ -3444,7 +3430,7 @@
           </a:lstStyle>
           <a:p>
             <a:r>
-              <a:rPr kumimoji="0" lang="es-ES" smtClean="0"/>
+              <a:rPr kumimoji="0" lang="es-ES"/>
               <a:t>Haga clic para modificar el estilo de título del patrón</a:t>
             </a:r>
             <a:endParaRPr kumimoji="0" lang="en-US"/>
@@ -3495,7 +3481,7 @@
           <a:p>
             <a:pPr lvl="0" eaLnBrk="1" latinLnBrk="0" hangingPunct="1"/>
             <a:r>
-              <a:rPr kumimoji="0" lang="es-ES" smtClean="0"/>
+              <a:rPr kumimoji="0" lang="es-ES"/>
               <a:t>Haga clic para modificar el estilo de texto del patrón</a:t>
             </a:r>
           </a:p>
@@ -3540,35 +3526,35 @@
           <a:p>
             <a:pPr lvl="0" eaLnBrk="1" latinLnBrk="0" hangingPunct="1"/>
             <a:r>
-              <a:rPr lang="es-ES" smtClean="0"/>
+              <a:rPr lang="es-ES"/>
               <a:t>Haga clic para modificar el estilo de texto del patrón</a:t>
             </a:r>
           </a:p>
           <a:p>
             <a:pPr lvl="1" eaLnBrk="1" latinLnBrk="0" hangingPunct="1"/>
             <a:r>
-              <a:rPr lang="es-ES" smtClean="0"/>
+              <a:rPr lang="es-ES"/>
               <a:t>Segundo nivel</a:t>
             </a:r>
           </a:p>
           <a:p>
             <a:pPr lvl="2" eaLnBrk="1" latinLnBrk="0" hangingPunct="1"/>
             <a:r>
-              <a:rPr lang="es-ES" smtClean="0"/>
+              <a:rPr lang="es-ES"/>
               <a:t>Tercer nivel</a:t>
             </a:r>
           </a:p>
           <a:p>
             <a:pPr lvl="3" eaLnBrk="1" latinLnBrk="0" hangingPunct="1"/>
             <a:r>
-              <a:rPr lang="es-ES" smtClean="0"/>
+              <a:rPr lang="es-ES"/>
               <a:t>Cuarto nivel</a:t>
             </a:r>
           </a:p>
           <a:p>
             <a:pPr lvl="4" eaLnBrk="1" latinLnBrk="0" hangingPunct="1"/>
             <a:r>
-              <a:rPr lang="es-ES" smtClean="0"/>
+              <a:rPr lang="es-ES"/>
               <a:t>Quinto nivel</a:t>
             </a:r>
             <a:endParaRPr kumimoji="0" lang="en-US"/>
@@ -3598,7 +3584,7 @@
             <a:fld id="{D7FEDF0F-BE94-48DD-9B40-9F8CE0028E78}" type="datetime1">
               <a:rPr lang="es-ES" smtClean="0"/>
               <a:pPr/>
-              <a:t>31/08/2016</a:t>
+              <a:t>30/08/2017</a:t>
             </a:fld>
             <a:endParaRPr lang="es-ES"/>
           </a:p>
@@ -3620,10 +3606,9 @@
           <a:lstStyle/>
           <a:p>
             <a:r>
-              <a:rPr lang="es-ES" smtClean="0"/>
+              <a:rPr lang="es-ES"/>
               <a:t>EMPLEARTEC CONTROL+F / CONTROL+A</a:t>
             </a:r>
-            <a:endParaRPr lang="es-ES"/>
           </a:p>
         </p:txBody>
       </p:sp>
@@ -3722,7 +3707,7 @@
           <a:p>
             <a:pPr lvl="0" eaLnBrk="1" latinLnBrk="0" hangingPunct="1"/>
             <a:r>
-              <a:rPr kumimoji="0" lang="es-ES" smtClean="0"/>
+              <a:rPr kumimoji="0" lang="es-ES"/>
               <a:t>Haga clic para modificar el estilo de texto del patrón</a:t>
             </a:r>
           </a:p>
@@ -3771,7 +3756,7 @@
           </a:lstStyle>
           <a:p>
             <a:r>
-              <a:rPr kumimoji="0" lang="es-ES" smtClean="0"/>
+              <a:rPr kumimoji="0" lang="es-ES"/>
               <a:t>Haga clic en el icono para agregar una imagen</a:t>
             </a:r>
             <a:endParaRPr kumimoji="0" lang="en-US" dirty="0"/>
@@ -3805,7 +3790,7 @@
             <a:fld id="{28C04C86-7BF1-481E-8043-4CF07CCB7684}" type="datetime1">
               <a:rPr lang="es-ES" smtClean="0"/>
               <a:pPr/>
-              <a:t>31/08/2016</a:t>
+              <a:t>30/08/2017</a:t>
             </a:fld>
             <a:endParaRPr lang="es-ES"/>
           </a:p>
@@ -3841,10 +3826,9 @@
           </a:lstStyle>
           <a:p>
             <a:r>
-              <a:rPr lang="es-ES" smtClean="0"/>
+              <a:rPr lang="es-ES"/>
               <a:t>EMPLEARTEC CONTROL+F / CONTROL+A</a:t>
             </a:r>
-            <a:endParaRPr lang="es-ES"/>
           </a:p>
         </p:txBody>
       </p:sp>
@@ -3922,7 +3906,7 @@
           </a:lstStyle>
           <a:p>
             <a:r>
-              <a:rPr kumimoji="0" lang="es-ES" smtClean="0"/>
+              <a:rPr kumimoji="0" lang="es-ES"/>
               <a:t>Haga clic para modificar el estilo de título del patrón</a:t>
             </a:r>
             <a:endParaRPr kumimoji="0" lang="en-US"/>
@@ -4796,7 +4780,7 @@
           <a:lstStyle/>
           <a:p>
             <a:r>
-              <a:rPr kumimoji="0" lang="es-ES" smtClean="0"/>
+              <a:rPr kumimoji="0" lang="es-ES"/>
               <a:t>Haga clic para modificar el estilo de título del patrón</a:t>
             </a:r>
             <a:endParaRPr kumimoji="0" lang="en-US"/>
@@ -4830,35 +4814,35 @@
           <a:p>
             <a:pPr lvl="0" eaLnBrk="1" latinLnBrk="0" hangingPunct="1"/>
             <a:r>
-              <a:rPr kumimoji="0" lang="es-ES" smtClean="0"/>
+              <a:rPr kumimoji="0" lang="es-ES"/>
               <a:t>Haga clic para modificar el estilo de texto del patrón</a:t>
             </a:r>
           </a:p>
           <a:p>
             <a:pPr lvl="1" eaLnBrk="1" latinLnBrk="0" hangingPunct="1"/>
             <a:r>
-              <a:rPr kumimoji="0" lang="es-ES" smtClean="0"/>
+              <a:rPr kumimoji="0" lang="es-ES"/>
               <a:t>Segundo nivel</a:t>
             </a:r>
           </a:p>
           <a:p>
             <a:pPr lvl="2" eaLnBrk="1" latinLnBrk="0" hangingPunct="1"/>
             <a:r>
-              <a:rPr kumimoji="0" lang="es-ES" smtClean="0"/>
+              <a:rPr kumimoji="0" lang="es-ES"/>
               <a:t>Tercer nivel</a:t>
             </a:r>
           </a:p>
           <a:p>
             <a:pPr lvl="3" eaLnBrk="1" latinLnBrk="0" hangingPunct="1"/>
             <a:r>
-              <a:rPr kumimoji="0" lang="es-ES" smtClean="0"/>
+              <a:rPr kumimoji="0" lang="es-ES"/>
               <a:t>Cuarto nivel</a:t>
             </a:r>
           </a:p>
           <a:p>
             <a:pPr lvl="4" eaLnBrk="1" latinLnBrk="0" hangingPunct="1"/>
             <a:r>
-              <a:rPr kumimoji="0" lang="es-ES" smtClean="0"/>
+              <a:rPr kumimoji="0" lang="es-ES"/>
               <a:t>Quinto nivel</a:t>
             </a:r>
             <a:endParaRPr kumimoji="0" lang="en-US"/>
@@ -4900,7 +4884,7 @@
             <a:fld id="{11A06465-DD29-48D3-B96C-802E79C960AC}" type="datetime1">
               <a:rPr lang="es-ES" smtClean="0"/>
               <a:pPr/>
-              <a:t>31/08/2016</a:t>
+              <a:t>30/08/2017</a:t>
             </a:fld>
             <a:endParaRPr lang="es-ES"/>
           </a:p>
@@ -4939,10 +4923,9 @@
           </a:lstStyle>
           <a:p>
             <a:r>
-              <a:rPr lang="es-ES" smtClean="0"/>
+              <a:rPr lang="es-ES"/>
               <a:t>EMPLEARTEC CONTROL+F / CONTROL+A</a:t>
             </a:r>
-            <a:endParaRPr lang="es-ES"/>
           </a:p>
         </p:txBody>
       </p:sp>
@@ -5370,10 +5353,9 @@
           <a:p>
             <a:pPr algn="ctr"/>
             <a:r>
-              <a:rPr lang="es-ES" sz="2800" b="1" u="sng" dirty="0" smtClean="0"/>
+              <a:rPr lang="es-ES" sz="2800" b="1" u="sng" dirty="0"/>
               <a:t>Introducción al lenguaje C#</a:t>
             </a:r>
-            <a:endParaRPr lang="es-ES" sz="2800" b="1" u="sng" dirty="0"/>
           </a:p>
         </p:txBody>
       </p:sp>
@@ -5382,13 +5364,6 @@
   <p:clrMapOvr>
     <a:masterClrMapping/>
   </p:clrMapOvr>
-  <p:timing>
-    <p:tnLst>
-      <p:par>
-        <p:cTn id="1" dur="indefinite" restart="never" nodeType="tmRoot"/>
-      </p:par>
-    </p:tnLst>
-  </p:timing>
 </p:sld>
 </file>
 
@@ -5425,95 +5400,95 @@
           <a:lstStyle/>
           <a:p>
             <a:r>
-              <a:rPr lang="en-US" dirty="0" smtClean="0"/>
+              <a:rPr lang="en-US" dirty="0"/>
               <a:t>Las matrices </a:t>
             </a:r>
             <a:r>
-              <a:rPr lang="en-US" dirty="0" err="1" smtClean="0"/>
+              <a:rPr lang="en-US" dirty="0" err="1"/>
               <a:t>pueden</a:t>
             </a:r>
             <a:r>
-              <a:rPr lang="en-US" dirty="0" smtClean="0"/>
+              <a:rPr lang="en-US" dirty="0"/>
               <a:t> </a:t>
             </a:r>
             <a:r>
-              <a:rPr lang="en-US" dirty="0" err="1" smtClean="0"/>
+              <a:rPr lang="en-US" dirty="0" err="1"/>
               <a:t>ser</a:t>
             </a:r>
             <a:r>
-              <a:rPr lang="en-US" dirty="0" smtClean="0"/>
+              <a:rPr lang="en-US" dirty="0"/>
               <a:t> </a:t>
             </a:r>
             <a:r>
-              <a:rPr lang="en-US" dirty="0" err="1" smtClean="0"/>
+              <a:rPr lang="en-US" dirty="0" err="1"/>
               <a:t>inicializadas</a:t>
             </a:r>
             <a:r>
-              <a:rPr lang="en-US" dirty="0" smtClean="0"/>
+              <a:rPr lang="en-US" dirty="0"/>
               <a:t> </a:t>
             </a:r>
             <a:r>
-              <a:rPr lang="en-US" dirty="0" err="1" smtClean="0"/>
+              <a:rPr lang="en-US" dirty="0" err="1"/>
               <a:t>definiendo</a:t>
             </a:r>
             <a:r>
-              <a:rPr lang="en-US" dirty="0" smtClean="0"/>
+              <a:rPr lang="en-US" dirty="0"/>
               <a:t> </a:t>
             </a:r>
             <a:r>
-              <a:rPr lang="en-US" dirty="0" err="1" smtClean="0"/>
+              <a:rPr lang="en-US" dirty="0" err="1"/>
               <a:t>todo</a:t>
             </a:r>
             <a:r>
-              <a:rPr lang="en-US" dirty="0" smtClean="0"/>
+              <a:rPr lang="en-US" dirty="0"/>
               <a:t> el </a:t>
             </a:r>
             <a:r>
-              <a:rPr lang="en-US" dirty="0" err="1" smtClean="0"/>
+              <a:rPr lang="en-US" dirty="0" err="1"/>
               <a:t>listado</a:t>
             </a:r>
             <a:r>
-              <a:rPr lang="en-US" dirty="0" smtClean="0"/>
+              <a:rPr lang="en-US" dirty="0"/>
               <a:t> de </a:t>
             </a:r>
             <a:r>
-              <a:rPr lang="en-US" dirty="0" err="1" smtClean="0"/>
+              <a:rPr lang="en-US" dirty="0" err="1"/>
               <a:t>valores</a:t>
             </a:r>
             <a:r>
-              <a:rPr lang="en-US" dirty="0" smtClean="0"/>
+              <a:rPr lang="en-US" dirty="0"/>
               <a:t> de </a:t>
             </a:r>
             <a:r>
-              <a:rPr lang="en-US" dirty="0" err="1" smtClean="0"/>
+              <a:rPr lang="en-US" dirty="0" err="1"/>
               <a:t>cada</a:t>
             </a:r>
             <a:r>
-              <a:rPr lang="en-US" dirty="0" smtClean="0"/>
+              <a:rPr lang="en-US" dirty="0"/>
               <a:t> fila, </a:t>
             </a:r>
             <a:r>
-              <a:rPr lang="en-US" dirty="0" err="1" smtClean="0"/>
+              <a:rPr lang="en-US" dirty="0" err="1"/>
               <a:t>como</a:t>
             </a:r>
             <a:r>
-              <a:rPr lang="en-US" dirty="0" smtClean="0"/>
+              <a:rPr lang="en-US" dirty="0"/>
               <a:t> </a:t>
             </a:r>
             <a:r>
-              <a:rPr lang="en-US" dirty="0" err="1" smtClean="0"/>
+              <a:rPr lang="en-US" dirty="0" err="1"/>
               <a:t>por</a:t>
             </a:r>
             <a:r>
-              <a:rPr lang="en-US" dirty="0" smtClean="0"/>
+              <a:rPr lang="en-US" dirty="0"/>
               <a:t> </a:t>
             </a:r>
             <a:r>
-              <a:rPr lang="en-US" dirty="0" err="1" smtClean="0"/>
+              <a:rPr lang="en-US" dirty="0" err="1"/>
               <a:t>ejemplo</a:t>
             </a:r>
             <a:r>
-              <a:rPr lang="en-US" dirty="0" smtClean="0"/>
+              <a:rPr lang="en-US" dirty="0"/>
               <a:t>:</a:t>
             </a:r>
             <a:endParaRPr lang="es-ES" dirty="0"/>
@@ -5538,7 +5513,7 @@
           <a:lstStyle/>
           <a:p>
             <a:r>
-              <a:rPr lang="es-ES" b="0" dirty="0" smtClean="0">
+              <a:rPr lang="es-ES" b="0" dirty="0">
                 <a:effectLst/>
               </a:rPr>
               <a:t>Inicialización de matrices</a:t>
@@ -5619,163 +5594,155 @@
           <a:lstStyle/>
           <a:p>
             <a:r>
-              <a:rPr lang="en-US" dirty="0" smtClean="0"/>
+              <a:rPr lang="en-US" dirty="0"/>
               <a:t>Un </a:t>
             </a:r>
             <a:r>
-              <a:rPr lang="en-US" dirty="0" err="1" smtClean="0"/>
+              <a:rPr lang="en-US" dirty="0" err="1"/>
               <a:t>elemento</a:t>
             </a:r>
             <a:r>
-              <a:rPr lang="en-US" dirty="0" smtClean="0"/>
+              <a:rPr lang="en-US" dirty="0"/>
               <a:t> </a:t>
             </a:r>
             <a:r>
-              <a:rPr lang="en-US" dirty="0" err="1" smtClean="0"/>
+              <a:rPr lang="en-US" dirty="0" err="1"/>
               <a:t>puede</a:t>
             </a:r>
             <a:r>
-              <a:rPr lang="en-US" dirty="0" smtClean="0"/>
+              <a:rPr lang="en-US" dirty="0"/>
               <a:t> </a:t>
             </a:r>
             <a:r>
-              <a:rPr lang="en-US" dirty="0" err="1" smtClean="0"/>
+              <a:rPr lang="en-US" dirty="0" err="1"/>
               <a:t>ser</a:t>
             </a:r>
             <a:r>
-              <a:rPr lang="en-US" dirty="0" smtClean="0"/>
+              <a:rPr lang="en-US" dirty="0"/>
               <a:t> </a:t>
             </a:r>
             <a:r>
-              <a:rPr lang="en-US" dirty="0" err="1" smtClean="0"/>
+              <a:rPr lang="en-US" dirty="0" err="1"/>
               <a:t>accedido</a:t>
             </a:r>
             <a:r>
-              <a:rPr lang="en-US" dirty="0" smtClean="0"/>
+              <a:rPr lang="en-US" dirty="0"/>
               <a:t> </a:t>
             </a:r>
             <a:r>
-              <a:rPr lang="en-US" dirty="0" err="1" smtClean="0"/>
+              <a:rPr lang="en-US" dirty="0" err="1"/>
               <a:t>usando</a:t>
             </a:r>
             <a:r>
-              <a:rPr lang="en-US" dirty="0" smtClean="0"/>
+              <a:rPr lang="en-US" dirty="0"/>
               <a:t> </a:t>
             </a:r>
             <a:r>
-              <a:rPr lang="en-US" dirty="0" err="1" smtClean="0"/>
+              <a:rPr lang="en-US" dirty="0" err="1"/>
               <a:t>también</a:t>
             </a:r>
             <a:r>
-              <a:rPr lang="en-US" dirty="0" smtClean="0"/>
+              <a:rPr lang="en-US" dirty="0"/>
               <a:t> </a:t>
             </a:r>
             <a:r>
-              <a:rPr lang="en-US" dirty="0" err="1" smtClean="0"/>
+              <a:rPr lang="en-US" dirty="0" err="1"/>
               <a:t>los</a:t>
             </a:r>
             <a:r>
-              <a:rPr lang="en-US" dirty="0" smtClean="0"/>
+              <a:rPr lang="en-US" dirty="0"/>
               <a:t> </a:t>
             </a:r>
             <a:r>
-              <a:rPr lang="en-US" dirty="0" err="1" smtClean="0"/>
+              <a:rPr lang="en-US" dirty="0" err="1"/>
               <a:t>índices</a:t>
             </a:r>
             <a:r>
-              <a:rPr lang="en-US" dirty="0" smtClean="0"/>
+              <a:rPr lang="en-US" dirty="0"/>
               <a:t>. </a:t>
             </a:r>
             <a:r>
-              <a:rPr lang="en-US" dirty="0" err="1" smtClean="0"/>
+              <a:rPr lang="en-US" dirty="0" err="1"/>
               <a:t>Esto</a:t>
             </a:r>
             <a:r>
-              <a:rPr lang="en-US" dirty="0" smtClean="0"/>
+              <a:rPr lang="en-US" dirty="0"/>
               <a:t> </a:t>
             </a:r>
             <a:r>
-              <a:rPr lang="en-US" dirty="0" err="1" smtClean="0"/>
+              <a:rPr lang="en-US" dirty="0" err="1"/>
               <a:t>corresponde</a:t>
             </a:r>
             <a:r>
-              <a:rPr lang="en-US" dirty="0" smtClean="0"/>
+              <a:rPr lang="en-US" dirty="0"/>
               <a:t> a </a:t>
             </a:r>
             <a:r>
-              <a:rPr lang="en-US" dirty="0" err="1" smtClean="0"/>
+              <a:rPr lang="en-US" dirty="0" err="1"/>
               <a:t>índices</a:t>
             </a:r>
             <a:r>
-              <a:rPr lang="en-US" dirty="0" smtClean="0"/>
+              <a:rPr lang="en-US" dirty="0"/>
               <a:t> de fila y </a:t>
             </a:r>
             <a:r>
-              <a:rPr lang="en-US" dirty="0" err="1" smtClean="0"/>
+              <a:rPr lang="en-US" dirty="0" err="1"/>
               <a:t>columna</a:t>
             </a:r>
             <a:r>
-              <a:rPr lang="en-US" dirty="0" smtClean="0"/>
-              <a:t>. </a:t>
-            </a:r>
-            <a:r>
-              <a:rPr lang="en-US" dirty="0"/>
-              <a:t>For </a:t>
-            </a:r>
-            <a:r>
-              <a:rPr lang="en-US" dirty="0" smtClean="0"/>
-              <a:t>example.</a:t>
-            </a:r>
-          </a:p>
-          <a:p>
-            <a:endParaRPr lang="en-US" dirty="0" smtClean="0"/>
+              <a:rPr lang="en-US" dirty="0"/>
+              <a:t>. For example.</a:t>
+            </a:r>
           </a:p>
           <a:p>
             <a:endParaRPr lang="en-US" dirty="0"/>
           </a:p>
           <a:p>
-            <a:r>
-              <a:rPr lang="en-US" dirty="0" smtClean="0"/>
+            <a:endParaRPr lang="en-US" dirty="0"/>
+          </a:p>
+          <a:p>
+            <a:r>
+              <a:rPr lang="en-US" dirty="0"/>
               <a:t>La </a:t>
             </a:r>
             <a:r>
-              <a:rPr lang="en-US" dirty="0" err="1" smtClean="0"/>
+              <a:rPr lang="en-US" dirty="0" err="1"/>
               <a:t>sentencia</a:t>
             </a:r>
             <a:r>
-              <a:rPr lang="en-US" dirty="0" smtClean="0"/>
+              <a:rPr lang="en-US" dirty="0"/>
               <a:t> de </a:t>
             </a:r>
             <a:r>
-              <a:rPr lang="en-US" dirty="0" err="1" smtClean="0"/>
+              <a:rPr lang="en-US" dirty="0" err="1"/>
               <a:t>arriba</a:t>
             </a:r>
             <a:r>
-              <a:rPr lang="en-US" dirty="0" smtClean="0"/>
+              <a:rPr lang="en-US" dirty="0"/>
               <a:t> </a:t>
             </a:r>
             <a:r>
-              <a:rPr lang="en-US" dirty="0" err="1" smtClean="0"/>
+              <a:rPr lang="en-US" dirty="0" err="1"/>
               <a:t>retorna</a:t>
             </a:r>
             <a:r>
-              <a:rPr lang="en-US" dirty="0" smtClean="0"/>
+              <a:rPr lang="en-US" dirty="0"/>
               <a:t> el 3er </a:t>
             </a:r>
             <a:r>
-              <a:rPr lang="en-US" dirty="0" err="1" smtClean="0"/>
+              <a:rPr lang="en-US" dirty="0" err="1"/>
               <a:t>elemento</a:t>
             </a:r>
             <a:r>
-              <a:rPr lang="en-US" dirty="0" smtClean="0"/>
+              <a:rPr lang="en-US" dirty="0"/>
               <a:t> de la </a:t>
             </a:r>
             <a:r>
-              <a:rPr lang="en-US" dirty="0" err="1" smtClean="0"/>
+              <a:rPr lang="en-US" dirty="0" err="1"/>
               <a:t>segunda</a:t>
             </a:r>
             <a:r>
-              <a:rPr lang="en-US" dirty="0" smtClean="0"/>
+              <a:rPr lang="en-US" dirty="0"/>
               <a:t> fila:</a:t>
             </a:r>
           </a:p>
@@ -5784,27 +5751,27 @@
           </a:p>
           <a:p>
             <a:r>
-              <a:rPr lang="en-US" dirty="0" smtClean="0"/>
+              <a:rPr lang="en-US" dirty="0"/>
               <a:t>Un </a:t>
             </a:r>
             <a:r>
-              <a:rPr lang="en-US" dirty="0" err="1" smtClean="0"/>
+              <a:rPr lang="en-US" dirty="0" err="1"/>
               <a:t>ejemplo</a:t>
             </a:r>
             <a:r>
-              <a:rPr lang="en-US" dirty="0" smtClean="0"/>
+              <a:rPr lang="en-US" dirty="0"/>
               <a:t> </a:t>
             </a:r>
             <a:r>
-              <a:rPr lang="en-US" dirty="0" err="1" smtClean="0"/>
+              <a:rPr lang="en-US" dirty="0" err="1"/>
               <a:t>más</a:t>
             </a:r>
             <a:r>
-              <a:rPr lang="en-US" dirty="0" smtClean="0"/>
+              <a:rPr lang="en-US" dirty="0"/>
               <a:t> </a:t>
             </a:r>
             <a:r>
-              <a:rPr lang="en-US" dirty="0" err="1" smtClean="0"/>
+              <a:rPr lang="en-US" dirty="0" err="1"/>
               <a:t>claro</a:t>
             </a:r>
             <a:r>
@@ -5831,23 +5798,23 @@
           <a:lstStyle/>
           <a:p>
             <a:r>
-              <a:rPr lang="en-US" dirty="0" err="1" smtClean="0"/>
+              <a:rPr lang="en-US" dirty="0" err="1"/>
               <a:t>Acceso</a:t>
             </a:r>
             <a:r>
-              <a:rPr lang="en-US" dirty="0" smtClean="0"/>
+              <a:rPr lang="en-US" dirty="0"/>
               <a:t> a </a:t>
             </a:r>
             <a:r>
-              <a:rPr lang="en-US" dirty="0" err="1" smtClean="0"/>
+              <a:rPr lang="en-US" dirty="0" err="1"/>
               <a:t>elementos</a:t>
             </a:r>
             <a:r>
-              <a:rPr lang="en-US" dirty="0" smtClean="0"/>
+              <a:rPr lang="en-US" dirty="0"/>
               <a:t> de </a:t>
             </a:r>
             <a:r>
-              <a:rPr lang="en-US" dirty="0" err="1" smtClean="0"/>
+              <a:rPr lang="en-US" dirty="0" err="1"/>
               <a:t>matriz</a:t>
             </a:r>
             <a:endParaRPr lang="es-ES" dirty="0"/>
@@ -5982,157 +5949,157 @@
           <a:lstStyle/>
           <a:p>
             <a:r>
-              <a:rPr lang="en-US" dirty="0" smtClean="0"/>
+              <a:rPr lang="en-US" dirty="0"/>
               <a:t>Nos </a:t>
             </a:r>
             <a:r>
-              <a:rPr lang="en-US" dirty="0" err="1" smtClean="0"/>
+              <a:rPr lang="en-US" dirty="0" err="1"/>
               <a:t>permite</a:t>
             </a:r>
             <a:r>
-              <a:rPr lang="en-US" dirty="0" smtClean="0"/>
+              <a:rPr lang="en-US" dirty="0"/>
               <a:t> la </a:t>
             </a:r>
             <a:r>
-              <a:rPr lang="en-US" dirty="0" err="1" smtClean="0"/>
+              <a:rPr lang="en-US" dirty="0" err="1"/>
               <a:t>misma</a:t>
             </a:r>
             <a:r>
-              <a:rPr lang="en-US" dirty="0" smtClean="0"/>
+              <a:rPr lang="en-US" dirty="0"/>
               <a:t> </a:t>
             </a:r>
             <a:r>
-              <a:rPr lang="en-US" dirty="0" err="1" smtClean="0"/>
+              <a:rPr lang="en-US" dirty="0" err="1"/>
               <a:t>funcionalidad</a:t>
             </a:r>
             <a:r>
-              <a:rPr lang="en-US" dirty="0" smtClean="0"/>
+              <a:rPr lang="en-US" dirty="0"/>
               <a:t> que arrays </a:t>
             </a:r>
             <a:r>
-              <a:rPr lang="en-US" dirty="0" err="1" smtClean="0"/>
+              <a:rPr lang="en-US" dirty="0" err="1"/>
               <a:t>pero</a:t>
             </a:r>
             <a:r>
-              <a:rPr lang="en-US" dirty="0" smtClean="0"/>
+              <a:rPr lang="en-US" dirty="0"/>
               <a:t> </a:t>
             </a:r>
             <a:r>
-              <a:rPr lang="en-US" dirty="0" err="1" smtClean="0"/>
+              <a:rPr lang="en-US" dirty="0" err="1"/>
               <a:t>tiene</a:t>
             </a:r>
             <a:r>
-              <a:rPr lang="en-US" dirty="0" smtClean="0"/>
+              <a:rPr lang="en-US" dirty="0"/>
               <a:t> </a:t>
             </a:r>
             <a:r>
-              <a:rPr lang="en-US" dirty="0" err="1" smtClean="0"/>
+              <a:rPr lang="en-US" dirty="0" err="1"/>
               <a:t>muchos</a:t>
             </a:r>
             <a:r>
-              <a:rPr lang="en-US" dirty="0" smtClean="0"/>
+              <a:rPr lang="en-US" dirty="0"/>
               <a:t> mas </a:t>
             </a:r>
             <a:r>
-              <a:rPr lang="en-US" dirty="0" err="1" smtClean="0"/>
+              <a:rPr lang="en-US" dirty="0" err="1"/>
               <a:t>métodos</a:t>
             </a:r>
             <a:r>
-              <a:rPr lang="en-US" dirty="0" smtClean="0"/>
+              <a:rPr lang="en-US" dirty="0"/>
               <a:t> </a:t>
             </a:r>
             <a:r>
-              <a:rPr lang="en-US" dirty="0" err="1" smtClean="0"/>
+              <a:rPr lang="en-US" dirty="0" err="1"/>
               <a:t>disponibles</a:t>
             </a:r>
             <a:r>
-              <a:rPr lang="en-US" dirty="0" smtClean="0"/>
+              <a:rPr lang="en-US" dirty="0"/>
               <a:t> para </a:t>
             </a:r>
             <a:r>
-              <a:rPr lang="en-US" dirty="0" err="1" smtClean="0"/>
+              <a:rPr lang="en-US" dirty="0" err="1"/>
               <a:t>trabajar</a:t>
             </a:r>
             <a:r>
-              <a:rPr lang="en-US" dirty="0" smtClean="0"/>
+              <a:rPr lang="en-US" dirty="0"/>
               <a:t> con el vector.</a:t>
             </a:r>
           </a:p>
           <a:p>
-            <a:endParaRPr lang="en-US" dirty="0" smtClean="0"/>
-          </a:p>
-          <a:p>
-            <a:r>
-              <a:rPr lang="en-US" dirty="0" smtClean="0"/>
+            <a:endParaRPr lang="en-US" dirty="0"/>
+          </a:p>
+          <a:p>
+            <a:r>
+              <a:rPr lang="en-US" dirty="0"/>
               <a:t>Se define con la palabra clave List y </a:t>
             </a:r>
             <a:r>
-              <a:rPr lang="en-US" dirty="0" err="1" smtClean="0"/>
+              <a:rPr lang="en-US" dirty="0" err="1"/>
               <a:t>luego</a:t>
             </a:r>
             <a:r>
-              <a:rPr lang="en-US" dirty="0" smtClean="0"/>
+              <a:rPr lang="en-US" dirty="0"/>
               <a:t> se le </a:t>
             </a:r>
             <a:r>
-              <a:rPr lang="en-US" dirty="0" err="1" smtClean="0"/>
+              <a:rPr lang="en-US" dirty="0" err="1"/>
               <a:t>pasa</a:t>
             </a:r>
             <a:r>
-              <a:rPr lang="en-US" dirty="0" smtClean="0"/>
+              <a:rPr lang="en-US" dirty="0"/>
               <a:t> un </a:t>
             </a:r>
             <a:r>
-              <a:rPr lang="en-US" dirty="0" err="1" smtClean="0"/>
+              <a:rPr lang="en-US" dirty="0" err="1"/>
               <a:t>tipo</a:t>
             </a:r>
             <a:r>
-              <a:rPr lang="en-US" dirty="0" smtClean="0"/>
+              <a:rPr lang="en-US" dirty="0"/>
               <a:t> de </a:t>
             </a:r>
             <a:r>
-              <a:rPr lang="en-US" dirty="0" err="1" smtClean="0"/>
+              <a:rPr lang="en-US" dirty="0" err="1"/>
               <a:t>datos</a:t>
             </a:r>
             <a:r>
-              <a:rPr lang="en-US" dirty="0" smtClean="0"/>
+              <a:rPr lang="en-US" dirty="0"/>
               <a:t> </a:t>
             </a:r>
             <a:r>
-              <a:rPr lang="en-US" dirty="0" err="1" smtClean="0"/>
+              <a:rPr lang="en-US" dirty="0" err="1"/>
               <a:t>asociado</a:t>
             </a:r>
             <a:r>
-              <a:rPr lang="en-US" dirty="0" smtClean="0"/>
+              <a:rPr lang="en-US" dirty="0"/>
               <a:t>.</a:t>
             </a:r>
           </a:p>
           <a:p>
-            <a:endParaRPr lang="en-US" dirty="0" smtClean="0"/>
-          </a:p>
-          <a:p>
-            <a:r>
-              <a:rPr lang="en-US" dirty="0" err="1" smtClean="0"/>
+            <a:endParaRPr lang="en-US" dirty="0"/>
+          </a:p>
+          <a:p>
+            <a:r>
+              <a:rPr lang="en-US" dirty="0" err="1"/>
               <a:t>Algunos</a:t>
             </a:r>
             <a:r>
-              <a:rPr lang="en-US" dirty="0" smtClean="0"/>
+              <a:rPr lang="en-US" dirty="0"/>
               <a:t> </a:t>
             </a:r>
             <a:r>
-              <a:rPr lang="en-US" dirty="0" err="1" smtClean="0"/>
+              <a:rPr lang="en-US" dirty="0" err="1"/>
               <a:t>métodos</a:t>
             </a:r>
             <a:r>
-              <a:rPr lang="en-US" dirty="0" smtClean="0"/>
+              <a:rPr lang="en-US" dirty="0"/>
               <a:t> </a:t>
             </a:r>
             <a:r>
-              <a:rPr lang="en-US" dirty="0" err="1" smtClean="0"/>
+              <a:rPr lang="en-US" dirty="0" err="1"/>
               <a:t>disponibles</a:t>
             </a:r>
             <a:r>
-              <a:rPr lang="en-US" dirty="0" smtClean="0"/>
+              <a:rPr lang="en-US" dirty="0"/>
               <a:t>.</a:t>
             </a:r>
           </a:p>
@@ -6172,27 +6139,22 @@
             <a:pPr lvl="1"/>
             <a:r>
               <a:rPr lang="en-US" dirty="0"/>
-              <a:t>Reverse</a:t>
-            </a:r>
-            <a:r>
-              <a:rPr lang="en-US" dirty="0" smtClean="0"/>
-              <a:t>()</a:t>
+              <a:t>Reverse()</a:t>
             </a:r>
           </a:p>
           <a:p>
             <a:pPr lvl="1"/>
             <a:r>
-              <a:rPr lang="en-US" dirty="0" smtClean="0"/>
+              <a:rPr lang="en-US" dirty="0"/>
               <a:t>Remove()</a:t>
             </a:r>
           </a:p>
           <a:p>
             <a:pPr lvl="1"/>
             <a:r>
-              <a:rPr lang="en-US" dirty="0" smtClean="0"/>
+              <a:rPr lang="en-US" dirty="0"/>
               <a:t>Count()</a:t>
             </a:r>
-            <a:endParaRPr lang="en-US" dirty="0"/>
           </a:p>
           <a:p>
             <a:pPr lvl="1"/>
@@ -6216,23 +6178,23 @@
           <a:lstStyle/>
           <a:p>
             <a:r>
-              <a:rPr lang="en-US" dirty="0" err="1" smtClean="0"/>
+              <a:rPr lang="en-US" dirty="0" err="1"/>
               <a:t>Vectores</a:t>
             </a:r>
             <a:r>
-              <a:rPr lang="en-US" dirty="0" smtClean="0"/>
+              <a:rPr lang="en-US" dirty="0"/>
               <a:t> </a:t>
             </a:r>
             <a:r>
-              <a:rPr lang="en-US" dirty="0" err="1" smtClean="0"/>
+              <a:rPr lang="en-US" dirty="0" err="1"/>
               <a:t>en</a:t>
             </a:r>
             <a:r>
-              <a:rPr lang="en-US" dirty="0" smtClean="0"/>
+              <a:rPr lang="en-US" dirty="0"/>
               <a:t> C#: </a:t>
             </a:r>
             <a:r>
-              <a:rPr lang="en-US" dirty="0" err="1" smtClean="0"/>
+              <a:rPr lang="en-US" dirty="0" err="1"/>
               <a:t>Listas</a:t>
             </a:r>
             <a:endParaRPr lang="es-ES" dirty="0"/>
@@ -6309,79 +6271,79 @@
           <a:lstStyle/>
           <a:p>
             <a:r>
-              <a:rPr lang="en-US" dirty="0" smtClean="0"/>
+              <a:rPr lang="en-US" dirty="0"/>
               <a:t>La </a:t>
             </a:r>
             <a:r>
-              <a:rPr lang="en-US" dirty="0" err="1" smtClean="0"/>
+              <a:rPr lang="en-US" dirty="0" err="1"/>
               <a:t>iteración</a:t>
             </a:r>
             <a:r>
-              <a:rPr lang="en-US" dirty="0" smtClean="0"/>
+              <a:rPr lang="en-US" dirty="0"/>
               <a:t> </a:t>
             </a:r>
             <a:r>
-              <a:rPr lang="en-US" dirty="0" err="1" smtClean="0"/>
+              <a:rPr lang="en-US" dirty="0" err="1"/>
               <a:t>puede</a:t>
             </a:r>
             <a:r>
-              <a:rPr lang="en-US" dirty="0" smtClean="0"/>
+              <a:rPr lang="en-US" dirty="0"/>
               <a:t> </a:t>
             </a:r>
             <a:r>
-              <a:rPr lang="en-US" dirty="0" err="1" smtClean="0"/>
+              <a:rPr lang="en-US" dirty="0" err="1"/>
               <a:t>hacerse</a:t>
             </a:r>
             <a:r>
-              <a:rPr lang="en-US" dirty="0" smtClean="0"/>
+              <a:rPr lang="en-US" dirty="0"/>
               <a:t> </a:t>
             </a:r>
             <a:r>
-              <a:rPr lang="en-US" dirty="0" err="1" smtClean="0"/>
+              <a:rPr lang="en-US" dirty="0" err="1"/>
               <a:t>mediante</a:t>
             </a:r>
             <a:r>
-              <a:rPr lang="en-US" dirty="0" smtClean="0"/>
+              <a:rPr lang="en-US" dirty="0"/>
               <a:t> indices, </a:t>
             </a:r>
             <a:r>
-              <a:rPr lang="en-US" dirty="0" err="1" smtClean="0"/>
+              <a:rPr lang="en-US" dirty="0" err="1"/>
               <a:t>usando</a:t>
             </a:r>
             <a:r>
-              <a:rPr lang="en-US" dirty="0" smtClean="0"/>
+              <a:rPr lang="en-US" dirty="0"/>
               <a:t> </a:t>
             </a:r>
             <a:r>
-              <a:rPr lang="en-US" dirty="0" err="1" smtClean="0"/>
+              <a:rPr lang="en-US" dirty="0" err="1"/>
               <a:t>ciclos</a:t>
             </a:r>
             <a:r>
-              <a:rPr lang="en-US" dirty="0" smtClean="0"/>
+              <a:rPr lang="en-US" dirty="0"/>
               <a:t> </a:t>
             </a:r>
             <a:r>
-              <a:rPr lang="en-US" dirty="0" err="1" smtClean="0"/>
+              <a:rPr lang="en-US" dirty="0" err="1"/>
               <a:t>ya</a:t>
             </a:r>
             <a:r>
-              <a:rPr lang="en-US" dirty="0" smtClean="0"/>
+              <a:rPr lang="en-US" dirty="0"/>
               <a:t> </a:t>
             </a:r>
             <a:r>
-              <a:rPr lang="en-US" dirty="0" err="1" smtClean="0"/>
+              <a:rPr lang="en-US" dirty="0" err="1"/>
               <a:t>vistos</a:t>
             </a:r>
             <a:r>
-              <a:rPr lang="en-US" dirty="0" smtClean="0"/>
+              <a:rPr lang="en-US" dirty="0"/>
               <a:t> </a:t>
             </a:r>
             <a:r>
-              <a:rPr lang="en-US" dirty="0" err="1" smtClean="0"/>
+              <a:rPr lang="en-US" dirty="0" err="1"/>
               <a:t>como</a:t>
             </a:r>
             <a:r>
-              <a:rPr lang="en-US" dirty="0" smtClean="0"/>
+              <a:rPr lang="en-US" dirty="0"/>
               <a:t> For, While, o Do.</a:t>
             </a:r>
             <a:endParaRPr lang="es-ES" dirty="0"/>
@@ -6404,19 +6366,19 @@
           <a:lstStyle/>
           <a:p>
             <a:r>
-              <a:rPr lang="en-US" dirty="0" err="1" smtClean="0"/>
+              <a:rPr lang="en-US" dirty="0" err="1"/>
               <a:t>Iterando</a:t>
             </a:r>
             <a:r>
-              <a:rPr lang="en-US" dirty="0" smtClean="0"/>
+              <a:rPr lang="en-US" dirty="0"/>
               <a:t> </a:t>
             </a:r>
             <a:r>
-              <a:rPr lang="en-US" dirty="0" err="1" smtClean="0"/>
+              <a:rPr lang="en-US" dirty="0" err="1"/>
               <a:t>Vectores</a:t>
             </a:r>
             <a:r>
-              <a:rPr lang="en-US" dirty="0" smtClean="0"/>
+              <a:rPr lang="en-US" dirty="0"/>
               <a:t> y matrices</a:t>
             </a:r>
             <a:endParaRPr lang="es-ES" dirty="0"/>
@@ -6519,71 +6481,71 @@
           <a:lstStyle/>
           <a:p>
             <a:r>
-              <a:rPr lang="en-US" dirty="0" smtClean="0"/>
+              <a:rPr lang="en-US" dirty="0"/>
               <a:t>Sin embargo, </a:t>
             </a:r>
             <a:r>
-              <a:rPr lang="en-US" dirty="0" err="1" smtClean="0"/>
+              <a:rPr lang="en-US" dirty="0" err="1"/>
               <a:t>tenemos</a:t>
             </a:r>
             <a:r>
-              <a:rPr lang="en-US" dirty="0" smtClean="0"/>
+              <a:rPr lang="en-US" dirty="0"/>
               <a:t> </a:t>
             </a:r>
             <a:r>
-              <a:rPr lang="en-US" dirty="0" err="1" smtClean="0"/>
+              <a:rPr lang="en-US" dirty="0" err="1"/>
               <a:t>otro</a:t>
             </a:r>
             <a:r>
-              <a:rPr lang="en-US" dirty="0" smtClean="0"/>
+              <a:rPr lang="en-US" dirty="0"/>
               <a:t> </a:t>
             </a:r>
             <a:r>
-              <a:rPr lang="en-US" dirty="0" err="1" smtClean="0"/>
+              <a:rPr lang="en-US" dirty="0" err="1"/>
               <a:t>tipo</a:t>
             </a:r>
             <a:r>
-              <a:rPr lang="en-US" dirty="0" smtClean="0"/>
+              <a:rPr lang="en-US" dirty="0"/>
               <a:t> de </a:t>
             </a:r>
             <a:r>
-              <a:rPr lang="en-US" dirty="0" err="1" smtClean="0"/>
+              <a:rPr lang="en-US" dirty="0" err="1"/>
               <a:t>ciclo</a:t>
             </a:r>
             <a:r>
-              <a:rPr lang="en-US" dirty="0" smtClean="0"/>
+              <a:rPr lang="en-US" dirty="0"/>
               <a:t>, especial para </a:t>
             </a:r>
             <a:r>
-              <a:rPr lang="en-US" dirty="0" err="1" smtClean="0"/>
+              <a:rPr lang="en-US" dirty="0" err="1"/>
               <a:t>usar</a:t>
             </a:r>
             <a:r>
-              <a:rPr lang="en-US" dirty="0" smtClean="0"/>
+              <a:rPr lang="en-US" dirty="0"/>
               <a:t> con </a:t>
             </a:r>
             <a:r>
-              <a:rPr lang="en-US" dirty="0" err="1" smtClean="0"/>
+              <a:rPr lang="en-US" dirty="0" err="1"/>
               <a:t>vectores</a:t>
             </a:r>
             <a:r>
-              <a:rPr lang="en-US" dirty="0" smtClean="0"/>
+              <a:rPr lang="en-US" dirty="0"/>
               <a:t> o matrices que se </a:t>
             </a:r>
             <a:r>
-              <a:rPr lang="en-US" dirty="0" err="1" smtClean="0"/>
+              <a:rPr lang="en-US" dirty="0" err="1"/>
               <a:t>denomina</a:t>
             </a:r>
             <a:r>
-              <a:rPr lang="en-US" dirty="0" smtClean="0"/>
+              <a:rPr lang="en-US" dirty="0"/>
               <a:t>: </a:t>
             </a:r>
             <a:r>
-              <a:rPr lang="en-US" dirty="0" err="1" smtClean="0"/>
+              <a:rPr lang="en-US" dirty="0" err="1"/>
               <a:t>ForEach</a:t>
             </a:r>
             <a:r>
-              <a:rPr lang="en-US" dirty="0" smtClean="0"/>
+              <a:rPr lang="en-US" dirty="0"/>
               <a:t>;</a:t>
             </a:r>
           </a:p>
@@ -6592,155 +6554,151 @@
           </a:p>
           <a:p>
             <a:r>
-              <a:rPr lang="en-US" dirty="0" smtClean="0"/>
+              <a:rPr lang="en-US" dirty="0"/>
               <a:t>Este </a:t>
             </a:r>
             <a:r>
-              <a:rPr lang="en-US" dirty="0" err="1" smtClean="0"/>
+              <a:rPr lang="en-US" dirty="0" err="1"/>
               <a:t>ciclo</a:t>
             </a:r>
             <a:r>
-              <a:rPr lang="en-US" dirty="0" smtClean="0"/>
+              <a:rPr lang="en-US" dirty="0"/>
               <a:t> </a:t>
             </a:r>
             <a:r>
-              <a:rPr lang="en-US" dirty="0" err="1" smtClean="0"/>
+              <a:rPr lang="en-US" dirty="0" err="1"/>
               <a:t>permite</a:t>
             </a:r>
             <a:r>
-              <a:rPr lang="en-US" dirty="0" smtClean="0"/>
+              <a:rPr lang="en-US" dirty="0"/>
               <a:t> </a:t>
             </a:r>
             <a:r>
-              <a:rPr lang="en-US" dirty="0" err="1" smtClean="0"/>
+              <a:rPr lang="en-US" dirty="0" err="1"/>
               <a:t>realizar</a:t>
             </a:r>
             <a:r>
-              <a:rPr lang="en-US" dirty="0" smtClean="0"/>
+              <a:rPr lang="en-US" dirty="0"/>
               <a:t> la </a:t>
             </a:r>
             <a:r>
-              <a:rPr lang="en-US" dirty="0" err="1" smtClean="0"/>
+              <a:rPr lang="en-US" dirty="0" err="1"/>
               <a:t>asignación</a:t>
             </a:r>
             <a:r>
-              <a:rPr lang="en-US" dirty="0" smtClean="0"/>
+              <a:rPr lang="en-US" dirty="0"/>
               <a:t> </a:t>
             </a:r>
             <a:r>
-              <a:rPr lang="en-US" dirty="0" err="1" smtClean="0"/>
+              <a:rPr lang="en-US" dirty="0" err="1"/>
               <a:t>elemento</a:t>
             </a:r>
             <a:r>
-              <a:rPr lang="en-US" dirty="0" smtClean="0"/>
+              <a:rPr lang="en-US" dirty="0"/>
               <a:t> </a:t>
             </a:r>
             <a:r>
-              <a:rPr lang="en-US" dirty="0" err="1" smtClean="0"/>
+              <a:rPr lang="en-US" dirty="0" err="1"/>
               <a:t>por</a:t>
             </a:r>
             <a:r>
-              <a:rPr lang="en-US" dirty="0" smtClean="0"/>
+              <a:rPr lang="en-US" dirty="0"/>
               <a:t> </a:t>
             </a:r>
             <a:r>
-              <a:rPr lang="en-US" dirty="0" err="1" smtClean="0"/>
+              <a:rPr lang="en-US" dirty="0" err="1"/>
               <a:t>elemento</a:t>
             </a:r>
             <a:r>
-              <a:rPr lang="en-US" dirty="0" smtClean="0"/>
+              <a:rPr lang="en-US" dirty="0"/>
               <a:t> (</a:t>
             </a:r>
             <a:r>
-              <a:rPr lang="en-US" dirty="0" err="1" smtClean="0"/>
+              <a:rPr lang="en-US" dirty="0" err="1"/>
               <a:t>en</a:t>
             </a:r>
             <a:r>
-              <a:rPr lang="en-US" dirty="0" smtClean="0"/>
+              <a:rPr lang="en-US" dirty="0"/>
               <a:t> </a:t>
             </a:r>
             <a:r>
-              <a:rPr lang="en-US" dirty="0" err="1" smtClean="0"/>
+              <a:rPr lang="en-US" dirty="0" err="1"/>
               <a:t>orden</a:t>
             </a:r>
             <a:r>
               <a:rPr lang="en-US" dirty="0"/>
-              <a:t>)</a:t>
-            </a:r>
-            <a:r>
-              <a:rPr lang="en-US" dirty="0" smtClean="0"/>
-              <a:t>. </a:t>
-            </a:r>
-            <a:r>
-              <a:rPr lang="en-US" dirty="0" err="1" smtClean="0"/>
+              <a:t>). </a:t>
+            </a:r>
+            <a:r>
+              <a:rPr lang="en-US" dirty="0" err="1"/>
               <a:t>Sirve</a:t>
             </a:r>
             <a:r>
-              <a:rPr lang="en-US" dirty="0" smtClean="0"/>
+              <a:rPr lang="en-US" dirty="0"/>
               <a:t> </a:t>
             </a:r>
             <a:r>
-              <a:rPr lang="en-US" dirty="0" err="1" smtClean="0"/>
+              <a:rPr lang="en-US" dirty="0" err="1"/>
               <a:t>cuando</a:t>
             </a:r>
             <a:r>
-              <a:rPr lang="en-US" dirty="0" smtClean="0"/>
+              <a:rPr lang="en-US" dirty="0"/>
               <a:t> no </a:t>
             </a:r>
             <a:r>
-              <a:rPr lang="en-US" dirty="0" err="1" smtClean="0"/>
+              <a:rPr lang="en-US" dirty="0" err="1"/>
               <a:t>es</a:t>
             </a:r>
             <a:r>
-              <a:rPr lang="en-US" dirty="0" smtClean="0"/>
+              <a:rPr lang="en-US" dirty="0"/>
               <a:t> </a:t>
             </a:r>
             <a:r>
-              <a:rPr lang="en-US" dirty="0" err="1" smtClean="0"/>
+              <a:rPr lang="en-US" dirty="0" err="1"/>
               <a:t>necesario</a:t>
             </a:r>
             <a:r>
-              <a:rPr lang="en-US" dirty="0" smtClean="0"/>
+              <a:rPr lang="en-US" dirty="0"/>
               <a:t> </a:t>
             </a:r>
             <a:r>
-              <a:rPr lang="en-US" dirty="0" err="1" smtClean="0"/>
+              <a:rPr lang="en-US" dirty="0" err="1"/>
               <a:t>usar</a:t>
             </a:r>
             <a:r>
-              <a:rPr lang="en-US" dirty="0" smtClean="0"/>
+              <a:rPr lang="en-US" dirty="0"/>
               <a:t> o </a:t>
             </a:r>
             <a:r>
-              <a:rPr lang="en-US" dirty="0" err="1" smtClean="0"/>
+              <a:rPr lang="en-US" dirty="0" err="1"/>
               <a:t>consultar</a:t>
             </a:r>
             <a:r>
-              <a:rPr lang="en-US" dirty="0" smtClean="0"/>
+              <a:rPr lang="en-US" dirty="0"/>
               <a:t> el </a:t>
             </a:r>
             <a:r>
-              <a:rPr lang="en-US" dirty="0" err="1" smtClean="0"/>
+              <a:rPr lang="en-US" dirty="0" err="1"/>
               <a:t>iterador</a:t>
             </a:r>
             <a:r>
-              <a:rPr lang="en-US" dirty="0" smtClean="0"/>
+              <a:rPr lang="en-US" dirty="0"/>
               <a:t> </a:t>
             </a:r>
             <a:r>
-              <a:rPr lang="en-US" dirty="0" err="1" smtClean="0"/>
+              <a:rPr lang="en-US" dirty="0" err="1"/>
               <a:t>numérico</a:t>
             </a:r>
             <a:r>
-              <a:rPr lang="en-US" dirty="0" smtClean="0"/>
+              <a:rPr lang="en-US" dirty="0"/>
               <a:t> de </a:t>
             </a:r>
             <a:r>
-              <a:rPr lang="en-US" dirty="0" err="1" smtClean="0"/>
+              <a:rPr lang="en-US" dirty="0" err="1"/>
               <a:t>índice</a:t>
             </a:r>
             <a:r>
-              <a:rPr lang="en-US" dirty="0" smtClean="0"/>
+              <a:rPr lang="en-US" dirty="0"/>
               <a:t>.</a:t>
             </a:r>
           </a:p>
@@ -6752,27 +6710,27 @@
               <a:buNone/>
             </a:pPr>
             <a:r>
-              <a:rPr lang="en-US" dirty="0" err="1" smtClean="0"/>
+              <a:rPr lang="en-US" dirty="0" err="1"/>
               <a:t>Es</a:t>
             </a:r>
             <a:r>
-              <a:rPr lang="en-US" dirty="0" smtClean="0"/>
+              <a:rPr lang="en-US" dirty="0"/>
               <a:t> </a:t>
             </a:r>
             <a:r>
-              <a:rPr lang="en-US" dirty="0" err="1" smtClean="0"/>
+              <a:rPr lang="en-US" dirty="0" err="1"/>
               <a:t>una</a:t>
             </a:r>
             <a:r>
-              <a:rPr lang="en-US" dirty="0" smtClean="0"/>
+              <a:rPr lang="en-US" dirty="0"/>
               <a:t> </a:t>
             </a:r>
             <a:r>
-              <a:rPr lang="en-US" dirty="0" err="1" smtClean="0"/>
+              <a:rPr lang="en-US" dirty="0" err="1"/>
               <a:t>nueva</a:t>
             </a:r>
             <a:r>
-              <a:rPr lang="en-US" dirty="0" smtClean="0"/>
+              <a:rPr lang="en-US" dirty="0"/>
               <a:t> </a:t>
             </a:r>
           </a:p>
@@ -6781,15 +6739,15 @@
               <a:buNone/>
             </a:pPr>
             <a:r>
-              <a:rPr lang="en-US" dirty="0" smtClean="0"/>
+              <a:rPr lang="en-US" dirty="0"/>
               <a:t>forma de </a:t>
             </a:r>
             <a:r>
-              <a:rPr lang="en-US" dirty="0" err="1" smtClean="0"/>
+              <a:rPr lang="en-US" dirty="0" err="1"/>
               <a:t>hacer</a:t>
             </a:r>
             <a:r>
-              <a:rPr lang="en-US" dirty="0" smtClean="0"/>
+              <a:rPr lang="en-US" dirty="0"/>
               <a:t> </a:t>
             </a:r>
           </a:p>
@@ -6798,15 +6756,15 @@
               <a:buNone/>
             </a:pPr>
             <a:r>
-              <a:rPr lang="en-US" dirty="0" smtClean="0"/>
+              <a:rPr lang="en-US" dirty="0"/>
               <a:t>un </a:t>
             </a:r>
             <a:r>
-              <a:rPr lang="en-US" dirty="0" err="1" smtClean="0"/>
+              <a:rPr lang="en-US" dirty="0" err="1"/>
               <a:t>ciclo</a:t>
             </a:r>
             <a:r>
-              <a:rPr lang="en-US" dirty="0" smtClean="0"/>
+              <a:rPr lang="en-US" dirty="0"/>
               <a:t> For, sin</a:t>
             </a:r>
           </a:p>
@@ -6816,19 +6774,15 @@
             </a:pPr>
             <a:r>
               <a:rPr lang="en-US" dirty="0" err="1"/>
-              <a:t>m</a:t>
-            </a:r>
-            <a:r>
-              <a:rPr lang="en-US" dirty="0" err="1" smtClean="0"/>
-              <a:t>anejar</a:t>
-            </a:r>
-            <a:r>
-              <a:rPr lang="en-US" dirty="0" smtClean="0"/>
+              <a:t>manejar</a:t>
+            </a:r>
+            <a:r>
+              <a:rPr lang="en-US" dirty="0"/>
               <a:t> indices.</a:t>
             </a:r>
           </a:p>
           <a:p>
-            <a:endParaRPr lang="en-US" dirty="0" smtClean="0"/>
+            <a:endParaRPr lang="en-US" dirty="0"/>
           </a:p>
           <a:p>
             <a:endParaRPr lang="es-ES" dirty="0"/>
@@ -6851,15 +6805,15 @@
           <a:lstStyle/>
           <a:p>
             <a:r>
-              <a:rPr lang="en-US" dirty="0" err="1" smtClean="0"/>
+              <a:rPr lang="en-US" dirty="0" err="1"/>
               <a:t>Ciclo</a:t>
             </a:r>
             <a:r>
-              <a:rPr lang="en-US" dirty="0" smtClean="0"/>
+              <a:rPr lang="en-US" dirty="0"/>
               <a:t> </a:t>
             </a:r>
             <a:r>
-              <a:rPr lang="en-US" dirty="0" err="1" smtClean="0"/>
+              <a:rPr lang="en-US" dirty="0" err="1"/>
               <a:t>ForEach</a:t>
             </a:r>
             <a:endParaRPr lang="es-ES" dirty="0"/>
@@ -6937,11 +6891,7 @@
           <a:p>
             <a:r>
               <a:rPr lang="es-ES" dirty="0"/>
-              <a:t>Con las matrices multidimensionales, se puede usar el mismo método para recorrer en iteración los elementos, por ejemplo</a:t>
-            </a:r>
-            <a:r>
-              <a:rPr lang="es-ES" dirty="0" smtClean="0"/>
-              <a:t>:</a:t>
+              <a:t>Con las matrices multidimensionales, se puede usar el mismo método para recorrer en iteración los elementos, por ejemplo:</a:t>
             </a:r>
           </a:p>
           <a:p>
@@ -6968,15 +6918,15 @@
           <a:lstStyle/>
           <a:p>
             <a:r>
-              <a:rPr lang="en-US" dirty="0" err="1" smtClean="0"/>
+              <a:rPr lang="en-US" dirty="0" err="1"/>
               <a:t>Ciclo</a:t>
             </a:r>
             <a:r>
-              <a:rPr lang="en-US" dirty="0" smtClean="0"/>
+              <a:rPr lang="en-US" dirty="0"/>
               <a:t> </a:t>
             </a:r>
             <a:r>
-              <a:rPr lang="en-US" dirty="0" err="1" smtClean="0"/>
+              <a:rPr lang="en-US" dirty="0" err="1"/>
               <a:t>ForEach</a:t>
             </a:r>
             <a:endParaRPr lang="es-ES" dirty="0"/>
@@ -7037,1940 +6987,6 @@
           <a:chExt cx="0" cy="0"/>
         </a:xfrm>
       </p:grpSpPr>
-      <p:sp>
-        <p:nvSpPr>
-          <p:cNvPr id="2" name="Marcador de contenido 1"/>
-          <p:cNvSpPr>
-            <a:spLocks noGrp="1"/>
-          </p:cNvSpPr>
-          <p:nvPr>
-            <p:ph idx="1"/>
-          </p:nvPr>
-        </p:nvSpPr>
-        <p:spPr/>
-        <p:txBody>
-          <a:bodyPr/>
-          <a:lstStyle/>
-          <a:p>
-            <a:r>
-              <a:rPr lang="es-ES" dirty="0"/>
-              <a:t>Hacer el algoritmo que imprima el mayor y el menor de una serie de </a:t>
-            </a:r>
-            <a:r>
-              <a:rPr lang="es-ES" dirty="0" smtClean="0"/>
-              <a:t>25 </a:t>
-            </a:r>
-            <a:r>
-              <a:rPr lang="es-ES" dirty="0"/>
-              <a:t>números que vamos introduciendo por teclado</a:t>
-            </a:r>
-            <a:r>
-              <a:rPr lang="es-ES" dirty="0" smtClean="0"/>
-              <a:t>.</a:t>
-            </a:r>
-          </a:p>
-          <a:p>
-            <a:endParaRPr lang="es-ES" dirty="0"/>
-          </a:p>
-          <a:p>
-            <a:r>
-              <a:rPr lang="es-ES" dirty="0" smtClean="0"/>
-              <a:t>Imprima el promedio de los números.</a:t>
-            </a:r>
-          </a:p>
-          <a:p>
-            <a:endParaRPr lang="es-ES" dirty="0"/>
-          </a:p>
-          <a:p>
-            <a:r>
-              <a:rPr lang="es-ES" dirty="0" smtClean="0"/>
-              <a:t>Imprima el </a:t>
-            </a:r>
-            <a:r>
-              <a:rPr lang="es-ES" dirty="0" smtClean="0"/>
-              <a:t>4to y 8vo número. </a:t>
-            </a:r>
-            <a:r>
-              <a:rPr lang="es-ES" dirty="0" smtClean="0"/>
-              <a:t>(Usando </a:t>
-            </a:r>
-            <a:r>
-              <a:rPr lang="es-ES" dirty="0"/>
-              <a:t>í</a:t>
-            </a:r>
-            <a:r>
-              <a:rPr lang="es-ES" dirty="0" smtClean="0"/>
-              <a:t>ndices)</a:t>
-            </a:r>
-            <a:endParaRPr lang="es-AR" dirty="0"/>
-          </a:p>
-        </p:txBody>
-      </p:sp>
-      <p:sp>
-        <p:nvSpPr>
-          <p:cNvPr id="4" name="Título 3"/>
-          <p:cNvSpPr>
-            <a:spLocks noGrp="1"/>
-          </p:cNvSpPr>
-          <p:nvPr>
-            <p:ph type="title"/>
-          </p:nvPr>
-        </p:nvSpPr>
-        <p:spPr/>
-        <p:txBody>
-          <a:bodyPr/>
-          <a:lstStyle/>
-          <a:p>
-            <a:r>
-              <a:rPr lang="es-AR" dirty="0" smtClean="0"/>
-              <a:t>Ejercicio: Vectores</a:t>
-            </a:r>
-            <a:endParaRPr lang="es-AR" dirty="0"/>
-          </a:p>
-        </p:txBody>
-      </p:sp>
-    </p:spTree>
-    <p:extLst>
-      <p:ext uri="{BB962C8B-B14F-4D97-AF65-F5344CB8AC3E}">
-        <p14:creationId xmlns:p14="http://schemas.microsoft.com/office/powerpoint/2010/main" val="2749978230"/>
-      </p:ext>
-    </p:extLst>
-  </p:cSld>
-  <p:clrMapOvr>
-    <a:masterClrMapping/>
-  </p:clrMapOvr>
-</p:sld>
-</file>
-
-<file path=ppt/slides/slide18.xml><?xml version="1.0" encoding="utf-8"?>
-<p:sld xmlns:a="http://schemas.openxmlformats.org/drawingml/2006/main" xmlns:r="http://schemas.openxmlformats.org/officeDocument/2006/relationships" xmlns:p="http://schemas.openxmlformats.org/presentationml/2006/main">
-  <p:cSld>
-    <p:spTree>
-      <p:nvGrpSpPr>
-        <p:cNvPr id="1" name=""/>
-        <p:cNvGrpSpPr/>
-        <p:nvPr/>
-      </p:nvGrpSpPr>
-      <p:grpSpPr>
-        <a:xfrm>
-          <a:off x="0" y="0"/>
-          <a:ext cx="0" cy="0"/>
-          <a:chOff x="0" y="0"/>
-          <a:chExt cx="0" cy="0"/>
-        </a:xfrm>
-      </p:grpSpPr>
-      <p:sp>
-        <p:nvSpPr>
-          <p:cNvPr id="2" name="Marcador de contenido 1"/>
-          <p:cNvSpPr>
-            <a:spLocks noGrp="1"/>
-          </p:cNvSpPr>
-          <p:nvPr>
-            <p:ph idx="1"/>
-          </p:nvPr>
-        </p:nvSpPr>
-        <p:spPr/>
-        <p:txBody>
-          <a:bodyPr>
-            <a:normAutofit fontScale="85000" lnSpcReduction="20000"/>
-          </a:bodyPr>
-          <a:lstStyle/>
-          <a:p>
-            <a:r>
-              <a:rPr lang="es-AR" dirty="0" smtClean="0"/>
-              <a:t>Crear un vector de 100 elementos compuesto por números aleatorios (entre 0 y 1000).</a:t>
-            </a:r>
-          </a:p>
-          <a:p>
-            <a:r>
-              <a:rPr lang="es-AR" dirty="0" smtClean="0"/>
-              <a:t>Cree una lista de elementos, e ingrese solamente los valores del vector que sean mayores al promedio.</a:t>
-            </a:r>
-          </a:p>
-          <a:p>
-            <a:endParaRPr lang="es-AR" dirty="0" smtClean="0"/>
-          </a:p>
-          <a:p>
-            <a:r>
-              <a:rPr lang="es-AR" dirty="0" err="1" smtClean="0"/>
-              <a:t>List</a:t>
-            </a:r>
-            <a:r>
-              <a:rPr lang="es-AR" dirty="0" smtClean="0"/>
-              <a:t>&lt;</a:t>
-            </a:r>
-            <a:r>
-              <a:rPr lang="es-AR" dirty="0" err="1" smtClean="0"/>
-              <a:t>int</a:t>
-            </a:r>
-            <a:r>
-              <a:rPr lang="es-AR" dirty="0" smtClean="0"/>
-              <a:t>&gt; lista = new </a:t>
-            </a:r>
-            <a:r>
-              <a:rPr lang="es-AR" dirty="0" err="1" smtClean="0"/>
-              <a:t>List</a:t>
-            </a:r>
-            <a:r>
-              <a:rPr lang="es-AR" dirty="0" smtClean="0"/>
-              <a:t>&lt;</a:t>
-            </a:r>
-            <a:r>
-              <a:rPr lang="es-AR" dirty="0" err="1" smtClean="0"/>
-              <a:t>int</a:t>
-            </a:r>
-            <a:r>
-              <a:rPr lang="es-AR" dirty="0" smtClean="0"/>
-              <a:t>&gt;();</a:t>
-            </a:r>
-          </a:p>
-          <a:p>
-            <a:r>
-              <a:rPr lang="es-AR" dirty="0" err="1" smtClean="0"/>
-              <a:t>lista.Add</a:t>
-            </a:r>
-            <a:r>
-              <a:rPr lang="es-AR" dirty="0" smtClean="0"/>
-              <a:t>(numero);</a:t>
-            </a:r>
-          </a:p>
-          <a:p>
-            <a:endParaRPr lang="es-AR" dirty="0" smtClean="0"/>
-          </a:p>
-          <a:p>
-            <a:r>
-              <a:rPr lang="es-AR" dirty="0" smtClean="0"/>
-              <a:t>Imprima por pantalla el promedio.</a:t>
-            </a:r>
-          </a:p>
-          <a:p>
-            <a:r>
-              <a:rPr lang="es-AR" dirty="0" smtClean="0"/>
-              <a:t>Imprima por pantalla la lista de elementos. (Usando </a:t>
-            </a:r>
-            <a:r>
-              <a:rPr lang="es-AR" dirty="0" err="1" smtClean="0"/>
-              <a:t>Foreach</a:t>
-            </a:r>
-            <a:r>
-              <a:rPr lang="es-AR" dirty="0" smtClean="0"/>
-              <a:t>)</a:t>
-            </a:r>
-          </a:p>
-          <a:p>
-            <a:r>
-              <a:rPr lang="es-AR" dirty="0" smtClean="0"/>
-              <a:t>Genere un nuevo vector, inverso a la lista (el vector inicia desde el último de la lista)</a:t>
-            </a:r>
-          </a:p>
-          <a:p>
-            <a:endParaRPr lang="es-AR" dirty="0"/>
-          </a:p>
-        </p:txBody>
-      </p:sp>
-      <p:sp>
-        <p:nvSpPr>
-          <p:cNvPr id="4" name="Título 3"/>
-          <p:cNvSpPr>
-            <a:spLocks noGrp="1"/>
-          </p:cNvSpPr>
-          <p:nvPr>
-            <p:ph type="title"/>
-          </p:nvPr>
-        </p:nvSpPr>
-        <p:spPr/>
-        <p:txBody>
-          <a:bodyPr/>
-          <a:lstStyle/>
-          <a:p>
-            <a:r>
-              <a:rPr lang="es-AR" dirty="0" smtClean="0"/>
-              <a:t>Ejercicio: Vectores</a:t>
-            </a:r>
-            <a:endParaRPr lang="es-AR" dirty="0"/>
-          </a:p>
-        </p:txBody>
-      </p:sp>
-    </p:spTree>
-    <p:extLst>
-      <p:ext uri="{BB962C8B-B14F-4D97-AF65-F5344CB8AC3E}">
-        <p14:creationId xmlns:p14="http://schemas.microsoft.com/office/powerpoint/2010/main" val="695028330"/>
-      </p:ext>
-    </p:extLst>
-  </p:cSld>
-  <p:clrMapOvr>
-    <a:masterClrMapping/>
-  </p:clrMapOvr>
-</p:sld>
-</file>
-
-<file path=ppt/slides/slide19.xml><?xml version="1.0" encoding="utf-8"?>
-<p:sld xmlns:a="http://schemas.openxmlformats.org/drawingml/2006/main" xmlns:r="http://schemas.openxmlformats.org/officeDocument/2006/relationships" xmlns:p="http://schemas.openxmlformats.org/presentationml/2006/main">
-  <p:cSld>
-    <p:spTree>
-      <p:nvGrpSpPr>
-        <p:cNvPr id="1" name=""/>
-        <p:cNvGrpSpPr/>
-        <p:nvPr/>
-      </p:nvGrpSpPr>
-      <p:grpSpPr>
-        <a:xfrm>
-          <a:off x="0" y="0"/>
-          <a:ext cx="0" cy="0"/>
-          <a:chOff x="0" y="0"/>
-          <a:chExt cx="0" cy="0"/>
-        </a:xfrm>
-      </p:grpSpPr>
-      <p:sp>
-        <p:nvSpPr>
-          <p:cNvPr id="2" name="Marcador de contenido 1"/>
-          <p:cNvSpPr>
-            <a:spLocks noGrp="1"/>
-          </p:cNvSpPr>
-          <p:nvPr>
-            <p:ph idx="1"/>
-          </p:nvPr>
-        </p:nvSpPr>
-        <p:spPr/>
-        <p:txBody>
-          <a:bodyPr>
-            <a:normAutofit fontScale="85000" lnSpcReduction="20000"/>
-          </a:bodyPr>
-          <a:lstStyle/>
-          <a:p>
-            <a:pPr marL="109728" indent="0">
-              <a:buNone/>
-            </a:pPr>
-            <a:r>
-              <a:rPr lang="es-ES" dirty="0"/>
-              <a:t>Se tiene la siguiente información</a:t>
-            </a:r>
-            <a:r>
-              <a:rPr lang="es-ES" dirty="0" smtClean="0"/>
-              <a:t>:</a:t>
-            </a:r>
-          </a:p>
-          <a:p>
-            <a:pPr marL="109728" indent="0">
-              <a:buNone/>
-            </a:pPr>
-            <a:r>
-              <a:rPr lang="es-ES" dirty="0" smtClean="0"/>
-              <a:t>Nombres </a:t>
-            </a:r>
-            <a:r>
-              <a:rPr lang="es-ES" dirty="0"/>
-              <a:t>de 4 operarios.</a:t>
-            </a:r>
-          </a:p>
-          <a:p>
-            <a:pPr marL="109728" indent="0">
-              <a:buNone/>
-            </a:pPr>
-            <a:r>
-              <a:rPr lang="es-ES" dirty="0" smtClean="0"/>
-              <a:t>Ingresos </a:t>
-            </a:r>
-            <a:r>
-              <a:rPr lang="es-ES" dirty="0"/>
-              <a:t>en concepto de sueldo, cobrado por cada operario, en los últimos </a:t>
-            </a:r>
-            <a:r>
-              <a:rPr lang="es-ES" dirty="0" smtClean="0"/>
-              <a:t>6 </a:t>
-            </a:r>
-            <a:r>
-              <a:rPr lang="es-ES" dirty="0"/>
-              <a:t>meses</a:t>
-            </a:r>
-            <a:r>
-              <a:rPr lang="es-ES" dirty="0" smtClean="0"/>
-              <a:t>.</a:t>
-            </a:r>
-          </a:p>
-          <a:p>
-            <a:pPr marL="109728" indent="0">
-              <a:buNone/>
-            </a:pPr>
-            <a:endParaRPr lang="es-ES" dirty="0"/>
-          </a:p>
-          <a:p>
-            <a:pPr marL="109728" indent="0">
-              <a:buNone/>
-            </a:pPr>
-            <a:r>
-              <a:rPr lang="es-ES" dirty="0" smtClean="0"/>
-              <a:t>Generar </a:t>
-            </a:r>
-            <a:r>
-              <a:rPr lang="es-ES" dirty="0"/>
-              <a:t>un vector que contenga el ingreso acumulado en sueldos en los últimos </a:t>
-            </a:r>
-            <a:r>
-              <a:rPr lang="es-ES" dirty="0" smtClean="0"/>
-              <a:t>6 </a:t>
-            </a:r>
-            <a:r>
-              <a:rPr lang="es-ES" dirty="0"/>
-              <a:t>meses para cada operario</a:t>
-            </a:r>
-            <a:r>
-              <a:rPr lang="es-ES" dirty="0" smtClean="0"/>
-              <a:t>.</a:t>
-            </a:r>
-          </a:p>
-          <a:p>
-            <a:pPr marL="109728" indent="0">
-              <a:buNone/>
-            </a:pPr>
-            <a:endParaRPr lang="es-ES" dirty="0"/>
-          </a:p>
-          <a:p>
-            <a:pPr marL="109728" indent="0">
-              <a:buNone/>
-            </a:pPr>
-            <a:r>
-              <a:rPr lang="es-ES" dirty="0"/>
-              <a:t>Mostrar por pantalla el total pagado en sueldos a todos los operarios en los últimos </a:t>
-            </a:r>
-            <a:r>
-              <a:rPr lang="es-ES" dirty="0" smtClean="0"/>
-              <a:t>4 meses.</a:t>
-            </a:r>
-          </a:p>
-          <a:p>
-            <a:pPr marL="109728" indent="0">
-              <a:buNone/>
-            </a:pPr>
-            <a:endParaRPr lang="es-ES" dirty="0"/>
-          </a:p>
-          <a:p>
-            <a:pPr marL="109728" indent="0">
-              <a:buNone/>
-            </a:pPr>
-            <a:r>
-              <a:rPr lang="es-ES" dirty="0"/>
-              <a:t>Obtener el nombre del operario que tuvo el mayor ingreso </a:t>
-            </a:r>
-            <a:r>
-              <a:rPr lang="es-ES" dirty="0" smtClean="0"/>
-              <a:t>acumulado.</a:t>
-            </a:r>
-            <a:endParaRPr lang="es-ES" dirty="0"/>
-          </a:p>
-          <a:p>
-            <a:endParaRPr lang="es-AR" dirty="0"/>
-          </a:p>
-        </p:txBody>
-      </p:sp>
-      <p:sp>
-        <p:nvSpPr>
-          <p:cNvPr id="4" name="Título 3"/>
-          <p:cNvSpPr>
-            <a:spLocks noGrp="1"/>
-          </p:cNvSpPr>
-          <p:nvPr>
-            <p:ph type="title"/>
-          </p:nvPr>
-        </p:nvSpPr>
-        <p:spPr/>
-        <p:txBody>
-          <a:bodyPr/>
-          <a:lstStyle/>
-          <a:p>
-            <a:r>
-              <a:rPr lang="es-AR" dirty="0" smtClean="0"/>
-              <a:t>Ejercicio: Vectores</a:t>
-            </a:r>
-            <a:endParaRPr lang="es-AR" dirty="0"/>
-          </a:p>
-        </p:txBody>
-      </p:sp>
-    </p:spTree>
-    <p:extLst>
-      <p:ext uri="{BB962C8B-B14F-4D97-AF65-F5344CB8AC3E}">
-        <p14:creationId xmlns:p14="http://schemas.microsoft.com/office/powerpoint/2010/main" val="4194452360"/>
-      </p:ext>
-    </p:extLst>
-  </p:cSld>
-  <p:clrMapOvr>
-    <a:masterClrMapping/>
-  </p:clrMapOvr>
-</p:sld>
-</file>
-
-<file path=ppt/slides/slide2.xml><?xml version="1.0" encoding="utf-8"?>
-<p:sld xmlns:a="http://schemas.openxmlformats.org/drawingml/2006/main" xmlns:r="http://schemas.openxmlformats.org/officeDocument/2006/relationships" xmlns:p="http://schemas.openxmlformats.org/presentationml/2006/main">
-  <p:cSld>
-    <p:spTree>
-      <p:nvGrpSpPr>
-        <p:cNvPr id="1" name=""/>
-        <p:cNvGrpSpPr/>
-        <p:nvPr/>
-      </p:nvGrpSpPr>
-      <p:grpSpPr>
-        <a:xfrm>
-          <a:off x="0" y="0"/>
-          <a:ext cx="0" cy="0"/>
-          <a:chOff x="0" y="0"/>
-          <a:chExt cx="0" cy="0"/>
-        </a:xfrm>
-      </p:grpSpPr>
-      <p:sp>
-        <p:nvSpPr>
-          <p:cNvPr id="3" name="2 Marcador de contenido"/>
-          <p:cNvSpPr>
-            <a:spLocks noGrp="1"/>
-          </p:cNvSpPr>
-          <p:nvPr>
-            <p:ph idx="1"/>
-          </p:nvPr>
-        </p:nvSpPr>
-        <p:spPr>
-          <a:xfrm>
-            <a:off x="467544" y="1354765"/>
-            <a:ext cx="8229600" cy="4594515"/>
-          </a:xfrm>
-        </p:spPr>
-        <p:txBody>
-          <a:bodyPr>
-            <a:normAutofit/>
-          </a:bodyPr>
-          <a:lstStyle/>
-          <a:p>
-            <a:pPr>
-              <a:buNone/>
-            </a:pPr>
-            <a:r>
-              <a:rPr lang="es-ES" dirty="0" smtClean="0"/>
-              <a:t>Hasta </a:t>
-            </a:r>
-            <a:r>
-              <a:rPr lang="es-ES" dirty="0"/>
-              <a:t>ahora se han visto tipos de variables que</a:t>
-            </a:r>
-          </a:p>
-          <a:p>
-            <a:pPr>
-              <a:buNone/>
-            </a:pPr>
-            <a:r>
-              <a:rPr lang="es-ES" dirty="0"/>
-              <a:t>representan una entidad indivisible o </a:t>
-            </a:r>
-            <a:r>
-              <a:rPr lang="es-ES" dirty="0" smtClean="0"/>
-              <a:t>atómica</a:t>
-            </a:r>
-            <a:r>
-              <a:rPr lang="es-ES" dirty="0"/>
-              <a:t>. </a:t>
-            </a:r>
-            <a:endParaRPr lang="es-ES" dirty="0" smtClean="0"/>
-          </a:p>
-          <a:p>
-            <a:pPr>
-              <a:buNone/>
-            </a:pPr>
-            <a:r>
-              <a:rPr lang="es-ES" dirty="0" smtClean="0"/>
-              <a:t>No </a:t>
-            </a:r>
-            <a:r>
-              <a:rPr lang="es-ES" dirty="0"/>
-              <a:t>obstante en ocasiones puede ser </a:t>
-            </a:r>
-            <a:r>
-              <a:rPr lang="es-ES" dirty="0" smtClean="0"/>
-              <a:t>preferible </a:t>
-            </a:r>
-          </a:p>
-          <a:p>
-            <a:pPr>
-              <a:buNone/>
-            </a:pPr>
-            <a:r>
-              <a:rPr lang="es-ES" dirty="0" smtClean="0"/>
-              <a:t>trabajar con </a:t>
-            </a:r>
-            <a:r>
-              <a:rPr lang="es-ES" dirty="0"/>
-              <a:t>variables de una forma agrupada. </a:t>
-            </a:r>
-          </a:p>
-          <a:p>
-            <a:pPr>
-              <a:buNone/>
-            </a:pPr>
-            <a:endParaRPr lang="es-ES" dirty="0" smtClean="0"/>
-          </a:p>
-        </p:txBody>
-      </p:sp>
-      <p:sp>
-        <p:nvSpPr>
-          <p:cNvPr id="2" name="1 Título"/>
-          <p:cNvSpPr>
-            <a:spLocks noGrp="1"/>
-          </p:cNvSpPr>
-          <p:nvPr>
-            <p:ph type="title"/>
-          </p:nvPr>
-        </p:nvSpPr>
-        <p:spPr/>
-        <p:txBody>
-          <a:bodyPr/>
-          <a:lstStyle/>
-          <a:p>
-            <a:r>
-              <a:rPr lang="es-ES" dirty="0" smtClean="0"/>
-              <a:t>Datos estructurados</a:t>
-            </a:r>
-            <a:endParaRPr lang="es-ES" dirty="0"/>
-          </a:p>
-        </p:txBody>
-      </p:sp>
-    </p:spTree>
-  </p:cSld>
-  <p:clrMapOvr>
-    <a:masterClrMapping/>
-  </p:clrMapOvr>
-  <p:timing>
-    <p:tnLst>
-      <p:par>
-        <p:cTn id="1" dur="indefinite" restart="never" nodeType="tmRoot"/>
-      </p:par>
-    </p:tnLst>
-  </p:timing>
-</p:sld>
-</file>
-
-<file path=ppt/slides/slide20.xml><?xml version="1.0" encoding="utf-8"?>
-<p:sld xmlns:a="http://schemas.openxmlformats.org/drawingml/2006/main" xmlns:r="http://schemas.openxmlformats.org/officeDocument/2006/relationships" xmlns:p="http://schemas.openxmlformats.org/presentationml/2006/main">
-  <p:cSld>
-    <p:spTree>
-      <p:nvGrpSpPr>
-        <p:cNvPr id="1" name=""/>
-        <p:cNvGrpSpPr/>
-        <p:nvPr/>
-      </p:nvGrpSpPr>
-      <p:grpSpPr>
-        <a:xfrm>
-          <a:off x="0" y="0"/>
-          <a:ext cx="0" cy="0"/>
-          <a:chOff x="0" y="0"/>
-          <a:chExt cx="0" cy="0"/>
-        </a:xfrm>
-      </p:grpSpPr>
-      <p:sp>
-        <p:nvSpPr>
-          <p:cNvPr id="2" name="Marcador de contenido 1"/>
-          <p:cNvSpPr>
-            <a:spLocks noGrp="1"/>
-          </p:cNvSpPr>
-          <p:nvPr>
-            <p:ph idx="1"/>
-          </p:nvPr>
-        </p:nvSpPr>
-        <p:spPr/>
-        <p:txBody>
-          <a:bodyPr/>
-          <a:lstStyle/>
-          <a:p>
-            <a:r>
-              <a:rPr lang="es-ES" dirty="0"/>
-              <a:t>Crear una matriz de n * m filas (cargar n y m por teclado) Intercambiar la primer fila con la </a:t>
-            </a:r>
-            <a:r>
-              <a:rPr lang="es-ES" dirty="0" smtClean="0"/>
-              <a:t>última. </a:t>
-            </a:r>
-            <a:r>
-              <a:rPr lang="es-ES" dirty="0"/>
-              <a:t>Imprimir luego la matriz</a:t>
-            </a:r>
-            <a:r>
-              <a:rPr lang="es-ES" dirty="0" smtClean="0"/>
-              <a:t>.</a:t>
-            </a:r>
-          </a:p>
-          <a:p>
-            <a:endParaRPr lang="es-ES" dirty="0" smtClean="0"/>
-          </a:p>
-          <a:p>
-            <a:r>
-              <a:rPr lang="es-ES" dirty="0"/>
-              <a:t>Imprimir los cuatro valores que se encuentran en los vértices de </a:t>
-            </a:r>
-            <a:r>
-              <a:rPr lang="es-ES"/>
-              <a:t>la </a:t>
-            </a:r>
-            <a:r>
-              <a:rPr lang="es-ES" smtClean="0"/>
-              <a:t>misma.</a:t>
-            </a:r>
-            <a:endParaRPr lang="es-ES" dirty="0"/>
-          </a:p>
-        </p:txBody>
-      </p:sp>
-      <p:sp>
-        <p:nvSpPr>
-          <p:cNvPr id="4" name="Título 3"/>
-          <p:cNvSpPr>
-            <a:spLocks noGrp="1"/>
-          </p:cNvSpPr>
-          <p:nvPr>
-            <p:ph type="title"/>
-          </p:nvPr>
-        </p:nvSpPr>
-        <p:spPr/>
-        <p:txBody>
-          <a:bodyPr/>
-          <a:lstStyle/>
-          <a:p>
-            <a:r>
-              <a:rPr lang="es-AR" dirty="0" smtClean="0"/>
-              <a:t>Ejercicio: Matrices</a:t>
-            </a:r>
-            <a:endParaRPr lang="es-AR" dirty="0"/>
-          </a:p>
-        </p:txBody>
-      </p:sp>
-    </p:spTree>
-    <p:extLst>
-      <p:ext uri="{BB962C8B-B14F-4D97-AF65-F5344CB8AC3E}">
-        <p14:creationId xmlns:p14="http://schemas.microsoft.com/office/powerpoint/2010/main" val="3819923307"/>
-      </p:ext>
-    </p:extLst>
-  </p:cSld>
-  <p:clrMapOvr>
-    <a:masterClrMapping/>
-  </p:clrMapOvr>
-</p:sld>
-</file>
-
-<file path=ppt/slides/slide21.xml><?xml version="1.0" encoding="utf-8"?>
-<p:sld xmlns:a="http://schemas.openxmlformats.org/drawingml/2006/main" xmlns:r="http://schemas.openxmlformats.org/officeDocument/2006/relationships" xmlns:p="http://schemas.openxmlformats.org/presentationml/2006/main">
-  <p:cSld>
-    <p:spTree>
-      <p:nvGrpSpPr>
-        <p:cNvPr id="1" name=""/>
-        <p:cNvGrpSpPr/>
-        <p:nvPr/>
-      </p:nvGrpSpPr>
-      <p:grpSpPr>
-        <a:xfrm>
-          <a:off x="0" y="0"/>
-          <a:ext cx="0" cy="0"/>
-          <a:chOff x="0" y="0"/>
-          <a:chExt cx="0" cy="0"/>
-        </a:xfrm>
-      </p:grpSpPr>
-      <p:sp>
-        <p:nvSpPr>
-          <p:cNvPr id="2" name="Marcador de contenido 1"/>
-          <p:cNvSpPr>
-            <a:spLocks noGrp="1"/>
-          </p:cNvSpPr>
-          <p:nvPr>
-            <p:ph idx="1"/>
-          </p:nvPr>
-        </p:nvSpPr>
-        <p:spPr/>
-        <p:txBody>
-          <a:bodyPr>
-            <a:normAutofit fontScale="92500" lnSpcReduction="20000"/>
-          </a:bodyPr>
-          <a:lstStyle/>
-          <a:p>
-            <a:r>
-              <a:rPr lang="en-US" dirty="0" smtClean="0"/>
-              <a:t>1) Cree </a:t>
-            </a:r>
-            <a:r>
-              <a:rPr lang="en-US" dirty="0" err="1" smtClean="0"/>
-              <a:t>una</a:t>
-            </a:r>
-            <a:r>
-              <a:rPr lang="en-US" dirty="0" smtClean="0"/>
-              <a:t> </a:t>
-            </a:r>
-            <a:r>
-              <a:rPr lang="en-US" dirty="0" err="1" smtClean="0"/>
-              <a:t>lista</a:t>
-            </a:r>
-            <a:r>
-              <a:rPr lang="en-US" dirty="0" smtClean="0"/>
-              <a:t> de </a:t>
-            </a:r>
-            <a:r>
-              <a:rPr lang="en-US" dirty="0" err="1" smtClean="0"/>
-              <a:t>datos</a:t>
-            </a:r>
-            <a:r>
-              <a:rPr lang="en-US" dirty="0" smtClean="0"/>
-              <a:t> de </a:t>
-            </a:r>
-            <a:r>
-              <a:rPr lang="en-US" dirty="0" err="1" smtClean="0"/>
-              <a:t>tipo</a:t>
-            </a:r>
-            <a:r>
-              <a:rPr lang="en-US" dirty="0" smtClean="0"/>
-              <a:t> string.</a:t>
-            </a:r>
-          </a:p>
-          <a:p>
-            <a:r>
-              <a:rPr lang="en-US" dirty="0" smtClean="0"/>
-              <a:t>2) </a:t>
-            </a:r>
-            <a:r>
-              <a:rPr lang="en-US" dirty="0" err="1" smtClean="0"/>
-              <a:t>Agregue</a:t>
-            </a:r>
-            <a:r>
-              <a:rPr lang="en-US" dirty="0" smtClean="0"/>
-              <a:t> </a:t>
-            </a:r>
-            <a:r>
-              <a:rPr lang="en-US" dirty="0" err="1" smtClean="0"/>
-              <a:t>los</a:t>
-            </a:r>
-            <a:r>
-              <a:rPr lang="en-US" dirty="0" smtClean="0"/>
-              <a:t> </a:t>
-            </a:r>
-            <a:r>
-              <a:rPr lang="en-US" dirty="0" err="1" smtClean="0"/>
-              <a:t>valores</a:t>
-            </a:r>
-            <a:r>
-              <a:rPr lang="en-US" dirty="0" smtClean="0"/>
-              <a:t> “Azul”, “</a:t>
-            </a:r>
-            <a:r>
-              <a:rPr lang="en-US" dirty="0" err="1" smtClean="0"/>
-              <a:t>Rojo</a:t>
-            </a:r>
-            <a:r>
-              <a:rPr lang="en-US" dirty="0" smtClean="0"/>
-              <a:t>”, “Verde”.</a:t>
-            </a:r>
-          </a:p>
-          <a:p>
-            <a:endParaRPr lang="en-US" dirty="0" smtClean="0"/>
-          </a:p>
-          <a:p>
-            <a:r>
-              <a:rPr lang="en-US" dirty="0" smtClean="0"/>
-              <a:t>3) </a:t>
-            </a:r>
-            <a:r>
-              <a:rPr lang="en-US" dirty="0" err="1" smtClean="0"/>
-              <a:t>Imprima</a:t>
-            </a:r>
-            <a:r>
-              <a:rPr lang="en-US" dirty="0" smtClean="0"/>
-              <a:t> la </a:t>
-            </a:r>
-            <a:r>
-              <a:rPr lang="en-US" dirty="0" err="1" smtClean="0"/>
-              <a:t>lista</a:t>
-            </a:r>
-            <a:r>
-              <a:rPr lang="en-US" dirty="0" smtClean="0"/>
-              <a:t> </a:t>
-            </a:r>
-            <a:r>
-              <a:rPr lang="en-US" dirty="0" err="1" smtClean="0"/>
-              <a:t>creada</a:t>
-            </a:r>
-            <a:r>
-              <a:rPr lang="en-US" dirty="0" smtClean="0"/>
-              <a:t> </a:t>
-            </a:r>
-            <a:r>
-              <a:rPr lang="en-US" dirty="0" err="1" smtClean="0"/>
-              <a:t>en</a:t>
-            </a:r>
-            <a:r>
-              <a:rPr lang="en-US" dirty="0" smtClean="0"/>
-              <a:t> </a:t>
-            </a:r>
-            <a:r>
-              <a:rPr lang="en-US" dirty="0" err="1" smtClean="0"/>
-              <a:t>pantalla</a:t>
-            </a:r>
-            <a:r>
-              <a:rPr lang="en-US" dirty="0" smtClean="0"/>
-              <a:t>.</a:t>
-            </a:r>
-          </a:p>
-          <a:p>
-            <a:r>
-              <a:rPr lang="en-US" dirty="0" smtClean="0"/>
-              <a:t>4) </a:t>
-            </a:r>
-            <a:r>
-              <a:rPr lang="en-US" dirty="0" err="1" smtClean="0"/>
-              <a:t>Imprima</a:t>
-            </a:r>
-            <a:r>
-              <a:rPr lang="en-US" dirty="0" smtClean="0"/>
-              <a:t> la </a:t>
-            </a:r>
-            <a:r>
-              <a:rPr lang="en-US" dirty="0" err="1" smtClean="0"/>
-              <a:t>lista</a:t>
-            </a:r>
-            <a:r>
-              <a:rPr lang="en-US" dirty="0" smtClean="0"/>
-              <a:t> </a:t>
-            </a:r>
-            <a:r>
-              <a:rPr lang="en-US" dirty="0" err="1" smtClean="0"/>
-              <a:t>en</a:t>
-            </a:r>
-            <a:r>
-              <a:rPr lang="en-US" dirty="0" smtClean="0"/>
-              <a:t> </a:t>
-            </a:r>
-            <a:r>
-              <a:rPr lang="en-US" dirty="0" err="1" smtClean="0"/>
-              <a:t>orden</a:t>
-            </a:r>
-            <a:r>
-              <a:rPr lang="en-US" dirty="0" smtClean="0"/>
-              <a:t> </a:t>
-            </a:r>
-            <a:r>
-              <a:rPr lang="en-US" dirty="0" err="1" smtClean="0"/>
-              <a:t>inverso</a:t>
-            </a:r>
-            <a:r>
-              <a:rPr lang="en-US" dirty="0" smtClean="0"/>
-              <a:t>.</a:t>
-            </a:r>
-          </a:p>
-          <a:p>
-            <a:r>
-              <a:rPr lang="en-US" dirty="0" smtClean="0"/>
-              <a:t>5) </a:t>
-            </a:r>
-            <a:r>
-              <a:rPr lang="en-US" dirty="0" err="1" smtClean="0"/>
-              <a:t>Imprima</a:t>
-            </a:r>
-            <a:r>
-              <a:rPr lang="en-US" dirty="0" smtClean="0"/>
-              <a:t> el 2do </a:t>
-            </a:r>
-            <a:r>
-              <a:rPr lang="en-US" dirty="0" err="1" smtClean="0"/>
-              <a:t>elemento</a:t>
-            </a:r>
-            <a:r>
-              <a:rPr lang="en-US" dirty="0" smtClean="0"/>
-              <a:t> de la </a:t>
-            </a:r>
-            <a:r>
-              <a:rPr lang="en-US" dirty="0" err="1" smtClean="0"/>
-              <a:t>lista</a:t>
-            </a:r>
-            <a:r>
-              <a:rPr lang="en-US" dirty="0" smtClean="0"/>
-              <a:t>.</a:t>
-            </a:r>
-          </a:p>
-          <a:p>
-            <a:r>
-              <a:rPr lang="en-US" dirty="0" smtClean="0"/>
-              <a:t>6) </a:t>
-            </a:r>
-            <a:r>
-              <a:rPr lang="en-US" dirty="0" err="1" smtClean="0"/>
-              <a:t>Asigne</a:t>
-            </a:r>
-            <a:r>
-              <a:rPr lang="en-US" dirty="0" smtClean="0"/>
-              <a:t> a un valor </a:t>
-            </a:r>
-            <a:r>
-              <a:rPr lang="en-US" dirty="0" err="1" smtClean="0"/>
-              <a:t>booleano</a:t>
-            </a:r>
-            <a:r>
-              <a:rPr lang="en-US" dirty="0" smtClean="0"/>
-              <a:t>, </a:t>
-            </a:r>
-            <a:r>
-              <a:rPr lang="en-US" dirty="0" err="1" smtClean="0"/>
-              <a:t>si</a:t>
-            </a:r>
-            <a:r>
-              <a:rPr lang="en-US" dirty="0" smtClean="0"/>
-              <a:t> </a:t>
-            </a:r>
-            <a:r>
-              <a:rPr lang="en-US" dirty="0" err="1" smtClean="0"/>
-              <a:t>existe</a:t>
-            </a:r>
-            <a:r>
-              <a:rPr lang="en-US" dirty="0" smtClean="0"/>
-              <a:t> </a:t>
-            </a:r>
-            <a:r>
-              <a:rPr lang="en-US" dirty="0" err="1" smtClean="0"/>
-              <a:t>en</a:t>
-            </a:r>
-            <a:r>
-              <a:rPr lang="en-US" dirty="0" smtClean="0"/>
-              <a:t> la </a:t>
-            </a:r>
-            <a:r>
-              <a:rPr lang="en-US" dirty="0" err="1" smtClean="0"/>
-              <a:t>lista</a:t>
-            </a:r>
-            <a:r>
-              <a:rPr lang="en-US" dirty="0" smtClean="0"/>
-              <a:t> el </a:t>
-            </a:r>
-            <a:r>
-              <a:rPr lang="en-US" dirty="0" err="1" smtClean="0"/>
-              <a:t>elemento</a:t>
-            </a:r>
-            <a:r>
-              <a:rPr lang="en-US" dirty="0" smtClean="0"/>
-              <a:t> “</a:t>
-            </a:r>
-            <a:r>
-              <a:rPr lang="en-US" dirty="0" err="1" smtClean="0"/>
-              <a:t>zu</a:t>
-            </a:r>
-            <a:r>
-              <a:rPr lang="en-US" dirty="0" smtClean="0"/>
-              <a:t>”.</a:t>
-            </a:r>
-          </a:p>
-          <a:p>
-            <a:r>
-              <a:rPr lang="en-US" dirty="0" smtClean="0"/>
-              <a:t>7) </a:t>
-            </a:r>
-            <a:r>
-              <a:rPr lang="en-US" dirty="0" err="1" smtClean="0"/>
-              <a:t>Devuelva</a:t>
-            </a:r>
-            <a:r>
-              <a:rPr lang="en-US" dirty="0" smtClean="0"/>
-              <a:t> el </a:t>
-            </a:r>
-            <a:r>
-              <a:rPr lang="en-US" dirty="0" err="1" smtClean="0"/>
-              <a:t>índice</a:t>
-            </a:r>
-            <a:r>
-              <a:rPr lang="en-US" dirty="0" smtClean="0"/>
-              <a:t> del </a:t>
-            </a:r>
-            <a:r>
-              <a:rPr lang="en-US" dirty="0" err="1" smtClean="0"/>
-              <a:t>elemento</a:t>
-            </a:r>
-            <a:r>
-              <a:rPr lang="en-US" dirty="0" smtClean="0"/>
-              <a:t> que </a:t>
-            </a:r>
-            <a:r>
-              <a:rPr lang="en-US" dirty="0" err="1" smtClean="0"/>
-              <a:t>contiene</a:t>
-            </a:r>
-            <a:r>
-              <a:rPr lang="en-US" dirty="0" smtClean="0"/>
-              <a:t> el valor “</a:t>
-            </a:r>
-            <a:r>
-              <a:rPr lang="en-US" dirty="0" err="1" smtClean="0"/>
-              <a:t>Rojo</a:t>
-            </a:r>
-            <a:r>
-              <a:rPr lang="en-US" dirty="0" smtClean="0"/>
-              <a:t>”.</a:t>
-            </a:r>
-          </a:p>
-          <a:p>
-            <a:r>
-              <a:rPr lang="en-US" dirty="0" smtClean="0"/>
-              <a:t>8) </a:t>
-            </a:r>
-            <a:r>
-              <a:rPr lang="en-US" dirty="0" err="1" smtClean="0"/>
-              <a:t>Elimine</a:t>
-            </a:r>
-            <a:r>
-              <a:rPr lang="en-US" dirty="0" smtClean="0"/>
-              <a:t> el </a:t>
-            </a:r>
-            <a:r>
-              <a:rPr lang="en-US" dirty="0" err="1" smtClean="0"/>
-              <a:t>último</a:t>
-            </a:r>
-            <a:r>
-              <a:rPr lang="en-US" dirty="0" smtClean="0"/>
-              <a:t> </a:t>
-            </a:r>
-            <a:r>
-              <a:rPr lang="en-US" dirty="0" err="1" smtClean="0"/>
-              <a:t>elemento</a:t>
-            </a:r>
-            <a:r>
-              <a:rPr lang="en-US" dirty="0" smtClean="0"/>
-              <a:t> de la </a:t>
-            </a:r>
-            <a:r>
-              <a:rPr lang="en-US" dirty="0" err="1" smtClean="0"/>
-              <a:t>lista</a:t>
-            </a:r>
-            <a:r>
-              <a:rPr lang="en-US" dirty="0" smtClean="0"/>
-              <a:t>.</a:t>
-            </a:r>
-          </a:p>
-          <a:p>
-            <a:r>
-              <a:rPr lang="en-US" dirty="0" smtClean="0"/>
-              <a:t>9) </a:t>
-            </a:r>
-            <a:r>
-              <a:rPr lang="en-US" dirty="0" err="1" smtClean="0"/>
-              <a:t>Imprima</a:t>
-            </a:r>
-            <a:r>
-              <a:rPr lang="en-US" dirty="0" smtClean="0"/>
-              <a:t> la </a:t>
-            </a:r>
-            <a:r>
-              <a:rPr lang="en-US" dirty="0" err="1" smtClean="0"/>
-              <a:t>cantidad</a:t>
-            </a:r>
-            <a:r>
-              <a:rPr lang="en-US" dirty="0" smtClean="0"/>
-              <a:t> total de </a:t>
-            </a:r>
-            <a:r>
-              <a:rPr lang="en-US" dirty="0" err="1" smtClean="0"/>
-              <a:t>elementos</a:t>
-            </a:r>
-            <a:r>
-              <a:rPr lang="en-US" dirty="0" smtClean="0"/>
-              <a:t> de la </a:t>
-            </a:r>
-            <a:r>
-              <a:rPr lang="en-US" dirty="0" err="1" smtClean="0"/>
-              <a:t>lista</a:t>
-            </a:r>
-            <a:r>
-              <a:rPr lang="en-US" dirty="0" smtClean="0"/>
-              <a:t>.</a:t>
-            </a:r>
-          </a:p>
-          <a:p>
-            <a:endParaRPr lang="es-ES" dirty="0"/>
-          </a:p>
-        </p:txBody>
-      </p:sp>
-      <p:sp>
-        <p:nvSpPr>
-          <p:cNvPr id="4" name="Título 3"/>
-          <p:cNvSpPr>
-            <a:spLocks noGrp="1"/>
-          </p:cNvSpPr>
-          <p:nvPr>
-            <p:ph type="title"/>
-          </p:nvPr>
-        </p:nvSpPr>
-        <p:spPr/>
-        <p:txBody>
-          <a:bodyPr/>
-          <a:lstStyle/>
-          <a:p>
-            <a:r>
-              <a:rPr lang="en-US" dirty="0" err="1" smtClean="0"/>
-              <a:t>Ejercicios</a:t>
-            </a:r>
-            <a:r>
-              <a:rPr lang="en-US" dirty="0" smtClean="0"/>
-              <a:t>: </a:t>
-            </a:r>
-            <a:r>
-              <a:rPr lang="en-US" dirty="0" err="1" smtClean="0"/>
-              <a:t>Listas</a:t>
-            </a:r>
-            <a:endParaRPr lang="es-ES" dirty="0"/>
-          </a:p>
-        </p:txBody>
-      </p:sp>
-    </p:spTree>
-    <p:extLst>
-      <p:ext uri="{BB962C8B-B14F-4D97-AF65-F5344CB8AC3E}">
-        <p14:creationId xmlns:p14="http://schemas.microsoft.com/office/powerpoint/2010/main" val="1128261438"/>
-      </p:ext>
-    </p:extLst>
-  </p:cSld>
-  <p:clrMapOvr>
-    <a:masterClrMapping/>
-  </p:clrMapOvr>
-</p:sld>
-</file>
-
-<file path=ppt/slides/slide22.xml><?xml version="1.0" encoding="utf-8"?>
-<p:sld xmlns:a="http://schemas.openxmlformats.org/drawingml/2006/main" xmlns:r="http://schemas.openxmlformats.org/officeDocument/2006/relationships" xmlns:p="http://schemas.openxmlformats.org/presentationml/2006/main">
-  <p:cSld>
-    <p:spTree>
-      <p:nvGrpSpPr>
-        <p:cNvPr id="1" name=""/>
-        <p:cNvGrpSpPr/>
-        <p:nvPr/>
-      </p:nvGrpSpPr>
-      <p:grpSpPr>
-        <a:xfrm>
-          <a:off x="0" y="0"/>
-          <a:ext cx="0" cy="0"/>
-          <a:chOff x="0" y="0"/>
-          <a:chExt cx="0" cy="0"/>
-        </a:xfrm>
-      </p:grpSpPr>
-      <p:sp>
-        <p:nvSpPr>
-          <p:cNvPr id="2" name="Marcador de contenido 1"/>
-          <p:cNvSpPr>
-            <a:spLocks noGrp="1"/>
-          </p:cNvSpPr>
-          <p:nvPr>
-            <p:ph idx="1"/>
-          </p:nvPr>
-        </p:nvSpPr>
-        <p:spPr>
-          <a:xfrm>
-            <a:off x="457200" y="1430138"/>
-            <a:ext cx="8229600" cy="4525963"/>
-          </a:xfrm>
-        </p:spPr>
-        <p:txBody>
-          <a:bodyPr>
-            <a:normAutofit fontScale="85000" lnSpcReduction="20000"/>
-          </a:bodyPr>
-          <a:lstStyle/>
-          <a:p>
-            <a:r>
-              <a:rPr lang="en-US" dirty="0" smtClean="0"/>
-              <a:t>Cree </a:t>
-            </a:r>
-            <a:r>
-              <a:rPr lang="en-US" dirty="0" err="1" smtClean="0"/>
-              <a:t>una</a:t>
-            </a:r>
-            <a:r>
-              <a:rPr lang="en-US" dirty="0" smtClean="0"/>
-              <a:t> </a:t>
-            </a:r>
-            <a:r>
-              <a:rPr lang="en-US" dirty="0" err="1" smtClean="0"/>
-              <a:t>lista</a:t>
-            </a:r>
-            <a:r>
-              <a:rPr lang="en-US" dirty="0" smtClean="0"/>
-              <a:t> de </a:t>
-            </a:r>
-            <a:r>
-              <a:rPr lang="en-US" dirty="0" err="1" smtClean="0"/>
-              <a:t>valores</a:t>
-            </a:r>
-            <a:r>
-              <a:rPr lang="en-US" dirty="0" smtClean="0"/>
-              <a:t> </a:t>
-            </a:r>
-            <a:r>
-              <a:rPr lang="en-US" dirty="0" err="1" smtClean="0"/>
-              <a:t>enteros</a:t>
-            </a:r>
-            <a:r>
-              <a:rPr lang="en-US" dirty="0" smtClean="0"/>
-              <a:t>.</a:t>
-            </a:r>
-          </a:p>
-          <a:p>
-            <a:r>
-              <a:rPr lang="en-US" dirty="0" err="1" smtClean="0"/>
-              <a:t>Agregue</a:t>
-            </a:r>
-            <a:r>
-              <a:rPr lang="en-US" dirty="0" smtClean="0"/>
-              <a:t> </a:t>
-            </a:r>
-            <a:r>
-              <a:rPr lang="en-US" dirty="0" err="1" smtClean="0"/>
-              <a:t>los</a:t>
-            </a:r>
-            <a:r>
-              <a:rPr lang="en-US" dirty="0" smtClean="0"/>
-              <a:t> </a:t>
-            </a:r>
-            <a:r>
-              <a:rPr lang="en-US" dirty="0" err="1" smtClean="0"/>
-              <a:t>valores</a:t>
-            </a:r>
-            <a:r>
-              <a:rPr lang="en-US" dirty="0" smtClean="0"/>
-              <a:t>: 3, 4, 8, 9, 2, 1, 6, 5, 7</a:t>
-            </a:r>
-          </a:p>
-          <a:p>
-            <a:endParaRPr lang="en-US" dirty="0"/>
-          </a:p>
-          <a:p>
-            <a:r>
-              <a:rPr lang="en-US" dirty="0" err="1" smtClean="0"/>
-              <a:t>Imprima</a:t>
-            </a:r>
-            <a:r>
-              <a:rPr lang="en-US" dirty="0" smtClean="0"/>
-              <a:t> el </a:t>
-            </a:r>
-            <a:r>
-              <a:rPr lang="en-US" dirty="0" err="1" smtClean="0"/>
-              <a:t>resultado</a:t>
-            </a:r>
-            <a:r>
-              <a:rPr lang="en-US" dirty="0" smtClean="0"/>
-              <a:t> del </a:t>
-            </a:r>
-            <a:r>
-              <a:rPr lang="en-US" dirty="0" err="1" smtClean="0"/>
-              <a:t>método</a:t>
-            </a:r>
-            <a:r>
-              <a:rPr lang="en-US" dirty="0" smtClean="0"/>
-              <a:t> Max()</a:t>
-            </a:r>
-          </a:p>
-          <a:p>
-            <a:r>
-              <a:rPr lang="en-US" dirty="0" err="1" smtClean="0"/>
-              <a:t>Imprima</a:t>
-            </a:r>
-            <a:r>
-              <a:rPr lang="en-US" dirty="0" smtClean="0"/>
-              <a:t> el </a:t>
-            </a:r>
-            <a:r>
-              <a:rPr lang="en-US" dirty="0" err="1" smtClean="0"/>
-              <a:t>resultado</a:t>
-            </a:r>
-            <a:r>
-              <a:rPr lang="en-US" dirty="0" smtClean="0"/>
-              <a:t> del </a:t>
-            </a:r>
-            <a:r>
-              <a:rPr lang="en-US" dirty="0" err="1" smtClean="0"/>
-              <a:t>método</a:t>
-            </a:r>
-            <a:r>
-              <a:rPr lang="en-US" dirty="0" smtClean="0"/>
-              <a:t> Min()</a:t>
-            </a:r>
-          </a:p>
-          <a:p>
-            <a:r>
-              <a:rPr lang="en-US" dirty="0" err="1" smtClean="0"/>
-              <a:t>Ejecute</a:t>
-            </a:r>
-            <a:r>
-              <a:rPr lang="en-US" dirty="0" smtClean="0"/>
-              <a:t> el </a:t>
-            </a:r>
-            <a:r>
-              <a:rPr lang="en-US" dirty="0" err="1" smtClean="0"/>
-              <a:t>método</a:t>
-            </a:r>
-            <a:r>
-              <a:rPr lang="en-US" dirty="0" smtClean="0"/>
-              <a:t> Sort(). </a:t>
-            </a:r>
-            <a:r>
-              <a:rPr lang="en-US" dirty="0" err="1" smtClean="0"/>
-              <a:t>Qué</a:t>
-            </a:r>
-            <a:r>
-              <a:rPr lang="en-US" dirty="0" smtClean="0"/>
-              <a:t> </a:t>
-            </a:r>
-            <a:r>
-              <a:rPr lang="en-US" dirty="0" err="1" smtClean="0"/>
-              <a:t>pasó</a:t>
-            </a:r>
-            <a:r>
-              <a:rPr lang="en-US" dirty="0" smtClean="0"/>
-              <a:t>?</a:t>
-            </a:r>
-          </a:p>
-          <a:p>
-            <a:r>
-              <a:rPr lang="en-US" dirty="0" err="1" smtClean="0"/>
-              <a:t>Ejecute</a:t>
-            </a:r>
-            <a:r>
-              <a:rPr lang="en-US" dirty="0" smtClean="0"/>
-              <a:t> el </a:t>
-            </a:r>
-            <a:r>
-              <a:rPr lang="en-US" dirty="0" err="1" smtClean="0"/>
-              <a:t>método</a:t>
-            </a:r>
-            <a:r>
-              <a:rPr lang="en-US" dirty="0" smtClean="0"/>
-              <a:t> Sum(). </a:t>
-            </a:r>
-            <a:r>
-              <a:rPr lang="en-US" dirty="0" err="1" smtClean="0"/>
-              <a:t>Qué</a:t>
-            </a:r>
-            <a:r>
-              <a:rPr lang="en-US" dirty="0" smtClean="0"/>
-              <a:t> valor </a:t>
-            </a:r>
-            <a:r>
-              <a:rPr lang="en-US" dirty="0" err="1" smtClean="0"/>
-              <a:t>retorna</a:t>
-            </a:r>
-            <a:r>
-              <a:rPr lang="en-US" dirty="0" smtClean="0"/>
-              <a:t>?</a:t>
-            </a:r>
-          </a:p>
-          <a:p>
-            <a:endParaRPr lang="en-US" dirty="0" smtClean="0"/>
-          </a:p>
-          <a:p>
-            <a:r>
-              <a:rPr lang="en-US" dirty="0" err="1" smtClean="0"/>
-              <a:t>Pruebe</a:t>
-            </a:r>
-            <a:r>
-              <a:rPr lang="en-US" dirty="0" smtClean="0"/>
-              <a:t> </a:t>
-            </a:r>
-            <a:r>
-              <a:rPr lang="en-US" dirty="0" err="1" smtClean="0"/>
-              <a:t>los</a:t>
-            </a:r>
-            <a:r>
-              <a:rPr lang="en-US" dirty="0" smtClean="0"/>
-              <a:t> </a:t>
-            </a:r>
-            <a:r>
-              <a:rPr lang="en-US" dirty="0" err="1" smtClean="0"/>
-              <a:t>métodos</a:t>
-            </a:r>
-            <a:r>
-              <a:rPr lang="en-US" dirty="0" smtClean="0"/>
-              <a:t> </a:t>
-            </a:r>
-            <a:r>
-              <a:rPr lang="en-US" dirty="0" err="1" smtClean="0"/>
-              <a:t>nombrados</a:t>
-            </a:r>
-            <a:r>
-              <a:rPr lang="en-US" dirty="0" smtClean="0"/>
-              <a:t> </a:t>
-            </a:r>
-            <a:r>
-              <a:rPr lang="en-US" dirty="0" err="1" smtClean="0"/>
-              <a:t>como</a:t>
-            </a:r>
-            <a:r>
-              <a:rPr lang="en-US" dirty="0" smtClean="0"/>
-              <a:t> “Find” que similitudes y </a:t>
-            </a:r>
-            <a:r>
-              <a:rPr lang="en-US" dirty="0" err="1" smtClean="0"/>
-              <a:t>diferencias</a:t>
-            </a:r>
-            <a:r>
-              <a:rPr lang="en-US" dirty="0" smtClean="0"/>
-              <a:t> </a:t>
-            </a:r>
-            <a:r>
-              <a:rPr lang="en-US" dirty="0" err="1" smtClean="0"/>
-              <a:t>encuentra</a:t>
-            </a:r>
-            <a:r>
-              <a:rPr lang="en-US" dirty="0" smtClean="0"/>
-              <a:t>?</a:t>
-            </a:r>
-          </a:p>
-          <a:p>
-            <a:endParaRPr lang="en-US" dirty="0"/>
-          </a:p>
-          <a:p>
-            <a:r>
-              <a:rPr lang="en-US" dirty="0" err="1"/>
-              <a:t>Pruebe</a:t>
-            </a:r>
-            <a:r>
-              <a:rPr lang="en-US" dirty="0"/>
-              <a:t> </a:t>
-            </a:r>
-            <a:r>
-              <a:rPr lang="en-US" dirty="0" err="1"/>
-              <a:t>los</a:t>
-            </a:r>
-            <a:r>
-              <a:rPr lang="en-US" dirty="0"/>
-              <a:t> </a:t>
-            </a:r>
-            <a:r>
-              <a:rPr lang="en-US" dirty="0" err="1"/>
-              <a:t>métodos</a:t>
-            </a:r>
-            <a:r>
-              <a:rPr lang="en-US" dirty="0"/>
-              <a:t> </a:t>
-            </a:r>
-            <a:r>
-              <a:rPr lang="en-US" dirty="0" err="1"/>
-              <a:t>nombrados</a:t>
-            </a:r>
-            <a:r>
-              <a:rPr lang="en-US" dirty="0"/>
-              <a:t> </a:t>
-            </a:r>
-            <a:r>
-              <a:rPr lang="en-US" dirty="0" err="1"/>
-              <a:t>como</a:t>
-            </a:r>
-            <a:r>
-              <a:rPr lang="en-US" dirty="0"/>
-              <a:t> </a:t>
-            </a:r>
-            <a:r>
-              <a:rPr lang="en-US" dirty="0" smtClean="0"/>
-              <a:t>“Remove” </a:t>
-            </a:r>
-            <a:r>
-              <a:rPr lang="en-US" dirty="0"/>
-              <a:t>que similitudes y </a:t>
-            </a:r>
-            <a:r>
-              <a:rPr lang="en-US" dirty="0" err="1"/>
-              <a:t>diferencias</a:t>
-            </a:r>
-            <a:r>
-              <a:rPr lang="en-US" dirty="0"/>
-              <a:t> </a:t>
-            </a:r>
-            <a:r>
-              <a:rPr lang="en-US" dirty="0" err="1"/>
-              <a:t>encuentra</a:t>
-            </a:r>
-            <a:r>
-              <a:rPr lang="en-US" dirty="0"/>
-              <a:t>?</a:t>
-            </a:r>
-            <a:endParaRPr lang="es-ES" dirty="0"/>
-          </a:p>
-        </p:txBody>
-      </p:sp>
-      <p:sp>
-        <p:nvSpPr>
-          <p:cNvPr id="4" name="Título 3"/>
-          <p:cNvSpPr>
-            <a:spLocks noGrp="1"/>
-          </p:cNvSpPr>
-          <p:nvPr>
-            <p:ph type="title"/>
-          </p:nvPr>
-        </p:nvSpPr>
-        <p:spPr/>
-        <p:txBody>
-          <a:bodyPr/>
-          <a:lstStyle/>
-          <a:p>
-            <a:r>
-              <a:rPr lang="en-US" dirty="0" err="1" smtClean="0"/>
-              <a:t>Ejercicio</a:t>
-            </a:r>
-            <a:r>
-              <a:rPr lang="en-US" dirty="0" smtClean="0"/>
-              <a:t>: </a:t>
-            </a:r>
-            <a:r>
-              <a:rPr lang="en-US" dirty="0" err="1" smtClean="0"/>
-              <a:t>Listas</a:t>
-            </a:r>
-            <a:endParaRPr lang="es-ES" dirty="0"/>
-          </a:p>
-        </p:txBody>
-      </p:sp>
-    </p:spTree>
-    <p:extLst>
-      <p:ext uri="{BB962C8B-B14F-4D97-AF65-F5344CB8AC3E}">
-        <p14:creationId xmlns:p14="http://schemas.microsoft.com/office/powerpoint/2010/main" val="2302213222"/>
-      </p:ext>
-    </p:extLst>
-  </p:cSld>
-  <p:clrMapOvr>
-    <a:masterClrMapping/>
-  </p:clrMapOvr>
-</p:sld>
-</file>
-
-<file path=ppt/slides/slide23.xml><?xml version="1.0" encoding="utf-8"?>
-<p:sld xmlns:a="http://schemas.openxmlformats.org/drawingml/2006/main" xmlns:r="http://schemas.openxmlformats.org/officeDocument/2006/relationships" xmlns:p="http://schemas.openxmlformats.org/presentationml/2006/main">
-  <p:cSld>
-    <p:spTree>
-      <p:nvGrpSpPr>
-        <p:cNvPr id="1" name=""/>
-        <p:cNvGrpSpPr/>
-        <p:nvPr/>
-      </p:nvGrpSpPr>
-      <p:grpSpPr>
-        <a:xfrm>
-          <a:off x="0" y="0"/>
-          <a:ext cx="0" cy="0"/>
-          <a:chOff x="0" y="0"/>
-          <a:chExt cx="0" cy="0"/>
-        </a:xfrm>
-      </p:grpSpPr>
-      <p:sp>
-        <p:nvSpPr>
-          <p:cNvPr id="2" name="Marcador de contenido 1"/>
-          <p:cNvSpPr>
-            <a:spLocks noGrp="1"/>
-          </p:cNvSpPr>
-          <p:nvPr>
-            <p:ph idx="1"/>
-          </p:nvPr>
-        </p:nvSpPr>
-        <p:spPr/>
-        <p:txBody>
-          <a:bodyPr>
-            <a:normAutofit fontScale="92500"/>
-          </a:bodyPr>
-          <a:lstStyle/>
-          <a:p>
-            <a:r>
-              <a:rPr lang="es-AR" dirty="0" smtClean="0"/>
-              <a:t>Cargue una lista con los datos de 0 a 1000 (usando ciclos).</a:t>
-            </a:r>
-          </a:p>
-          <a:p>
-            <a:endParaRPr lang="es-AR" dirty="0"/>
-          </a:p>
-          <a:p>
-            <a:r>
-              <a:rPr lang="es-ES" dirty="0" smtClean="0"/>
-              <a:t>1) </a:t>
-            </a:r>
-            <a:r>
-              <a:rPr lang="es-ES" dirty="0"/>
-              <a:t>Mostrar </a:t>
-            </a:r>
-            <a:r>
-              <a:rPr lang="es-ES" dirty="0" smtClean="0"/>
-              <a:t>números </a:t>
-            </a:r>
-            <a:r>
-              <a:rPr lang="es-ES" dirty="0"/>
-              <a:t>impares entre el 0 y el </a:t>
-            </a:r>
-            <a:r>
-              <a:rPr lang="es-ES" dirty="0" smtClean="0"/>
-              <a:t>500</a:t>
-            </a:r>
-            <a:r>
-              <a:rPr lang="es-ES" dirty="0"/>
-              <a:t/>
-            </a:r>
-            <a:br>
-              <a:rPr lang="es-ES" dirty="0"/>
-            </a:br>
-            <a:r>
-              <a:rPr lang="es-ES" dirty="0"/>
-              <a:t>2</a:t>
-            </a:r>
-            <a:r>
-              <a:rPr lang="es-ES" dirty="0" smtClean="0"/>
-              <a:t>) </a:t>
-            </a:r>
-            <a:r>
-              <a:rPr lang="es-ES" dirty="0"/>
-              <a:t>Mostrar </a:t>
-            </a:r>
-            <a:r>
-              <a:rPr lang="es-ES" dirty="0" smtClean="0"/>
-              <a:t>números </a:t>
-            </a:r>
-            <a:r>
-              <a:rPr lang="es-ES" dirty="0"/>
-              <a:t>pares entre el </a:t>
-            </a:r>
-            <a:r>
-              <a:rPr lang="es-ES" dirty="0" smtClean="0"/>
-              <a:t>550 </a:t>
-            </a:r>
-            <a:r>
-              <a:rPr lang="es-ES" dirty="0"/>
-              <a:t>y el </a:t>
-            </a:r>
-            <a:r>
-              <a:rPr lang="es-ES" dirty="0" smtClean="0"/>
-              <a:t>800</a:t>
-            </a:r>
-            <a:r>
-              <a:rPr lang="es-ES" dirty="0"/>
-              <a:t/>
-            </a:r>
-            <a:br>
-              <a:rPr lang="es-ES" dirty="0"/>
-            </a:br>
-            <a:r>
-              <a:rPr lang="es-ES" dirty="0"/>
-              <a:t>3</a:t>
-            </a:r>
-            <a:r>
-              <a:rPr lang="es-ES" dirty="0" smtClean="0"/>
-              <a:t>) </a:t>
-            </a:r>
-            <a:r>
-              <a:rPr lang="es-ES" dirty="0"/>
-              <a:t>Mostrar los números del 0 al 100</a:t>
-            </a:r>
-            <a:br>
-              <a:rPr lang="es-ES" dirty="0"/>
-            </a:br>
-            <a:r>
-              <a:rPr lang="es-ES" dirty="0"/>
-              <a:t>4</a:t>
-            </a:r>
-            <a:r>
-              <a:rPr lang="es-ES" dirty="0" smtClean="0"/>
-              <a:t>) </a:t>
-            </a:r>
-            <a:r>
-              <a:rPr lang="es-ES" dirty="0"/>
-              <a:t>Mostrar los números del 100 al 0</a:t>
-            </a:r>
-            <a:br>
-              <a:rPr lang="es-ES" dirty="0"/>
-            </a:br>
-            <a:r>
-              <a:rPr lang="es-ES" dirty="0"/>
-              <a:t>5</a:t>
-            </a:r>
-            <a:r>
-              <a:rPr lang="es-ES" dirty="0" smtClean="0"/>
-              <a:t>) </a:t>
-            </a:r>
-            <a:r>
-              <a:rPr lang="es-ES" dirty="0"/>
-              <a:t>Mostrar </a:t>
-            </a:r>
-            <a:r>
-              <a:rPr lang="es-ES" dirty="0" smtClean="0"/>
-              <a:t>múltiplos </a:t>
-            </a:r>
-            <a:r>
-              <a:rPr lang="es-ES" dirty="0"/>
-              <a:t>de 3 del 0 al 100</a:t>
-            </a:r>
-            <a:br>
-              <a:rPr lang="es-ES" dirty="0"/>
-            </a:br>
-            <a:r>
-              <a:rPr lang="es-ES" dirty="0"/>
-              <a:t>6</a:t>
-            </a:r>
-            <a:r>
-              <a:rPr lang="es-ES" dirty="0" smtClean="0"/>
-              <a:t>) </a:t>
-            </a:r>
-            <a:r>
-              <a:rPr lang="es-ES" dirty="0"/>
-              <a:t>Mostrar </a:t>
-            </a:r>
-            <a:r>
-              <a:rPr lang="es-ES" dirty="0" smtClean="0"/>
-              <a:t>múltiplos </a:t>
-            </a:r>
-            <a:r>
-              <a:rPr lang="es-ES" dirty="0"/>
-              <a:t>de 3 y de 2 entre el 0 y 100</a:t>
-            </a:r>
-            <a:endParaRPr lang="es-AR" dirty="0"/>
-          </a:p>
-        </p:txBody>
-      </p:sp>
-      <p:sp>
-        <p:nvSpPr>
-          <p:cNvPr id="4" name="Título 3"/>
-          <p:cNvSpPr>
-            <a:spLocks noGrp="1"/>
-          </p:cNvSpPr>
-          <p:nvPr>
-            <p:ph type="title"/>
-          </p:nvPr>
-        </p:nvSpPr>
-        <p:spPr/>
-        <p:txBody>
-          <a:bodyPr/>
-          <a:lstStyle/>
-          <a:p>
-            <a:r>
-              <a:rPr lang="es-AR" dirty="0" smtClean="0"/>
-              <a:t>Ejercicio: Listas</a:t>
-            </a:r>
-            <a:endParaRPr lang="es-AR" dirty="0"/>
-          </a:p>
-        </p:txBody>
-      </p:sp>
-    </p:spTree>
-    <p:extLst>
-      <p:ext uri="{BB962C8B-B14F-4D97-AF65-F5344CB8AC3E}">
-        <p14:creationId xmlns:p14="http://schemas.microsoft.com/office/powerpoint/2010/main" val="1749064704"/>
-      </p:ext>
-    </p:extLst>
-  </p:cSld>
-  <p:clrMapOvr>
-    <a:masterClrMapping/>
-  </p:clrMapOvr>
-</p:sld>
-</file>
-
-<file path=ppt/slides/slide24.xml><?xml version="1.0" encoding="utf-8"?>
-<p:sld xmlns:a="http://schemas.openxmlformats.org/drawingml/2006/main" xmlns:r="http://schemas.openxmlformats.org/officeDocument/2006/relationships" xmlns:p="http://schemas.openxmlformats.org/presentationml/2006/main">
-  <p:cSld>
-    <p:spTree>
-      <p:nvGrpSpPr>
-        <p:cNvPr id="1" name=""/>
-        <p:cNvGrpSpPr/>
-        <p:nvPr/>
-      </p:nvGrpSpPr>
-      <p:grpSpPr>
-        <a:xfrm>
-          <a:off x="0" y="0"/>
-          <a:ext cx="0" cy="0"/>
-          <a:chOff x="0" y="0"/>
-          <a:chExt cx="0" cy="0"/>
-        </a:xfrm>
-      </p:grpSpPr>
-      <p:sp>
-        <p:nvSpPr>
-          <p:cNvPr id="2" name="Marcador de contenido 1"/>
-          <p:cNvSpPr>
-            <a:spLocks noGrp="1"/>
-          </p:cNvSpPr>
-          <p:nvPr>
-            <p:ph idx="1"/>
-          </p:nvPr>
-        </p:nvSpPr>
-        <p:spPr/>
-        <p:txBody>
-          <a:bodyPr/>
-          <a:lstStyle/>
-          <a:p>
-            <a:r>
-              <a:rPr lang="es-ES" dirty="0"/>
-              <a:t>Se registran 10 empleados de una empresa Número de legajo, sueldo, sexo(1=femenino y 2=masculino</a:t>
-            </a:r>
-            <a:r>
-              <a:rPr lang="es-ES" dirty="0" smtClean="0"/>
-              <a:t>). </a:t>
-            </a:r>
-          </a:p>
-          <a:p>
-            <a:endParaRPr lang="es-ES" dirty="0"/>
-          </a:p>
-          <a:p>
-            <a:r>
-              <a:rPr lang="es-ES" dirty="0" smtClean="0"/>
-              <a:t>Mostrar en pantalla cuantas </a:t>
-            </a:r>
-            <a:r>
-              <a:rPr lang="es-ES" dirty="0"/>
-              <a:t>mujeres ganan más de $500 pesos y cuantos hombres ganan menos de $400</a:t>
-            </a:r>
-            <a:r>
-              <a:rPr lang="es-ES" dirty="0" smtClean="0"/>
-              <a:t>. </a:t>
-            </a:r>
-          </a:p>
-          <a:p>
-            <a:endParaRPr lang="es-ES" dirty="0"/>
-          </a:p>
-          <a:p>
-            <a:r>
-              <a:rPr lang="es-ES" dirty="0" smtClean="0"/>
-              <a:t>Utilice 3 listas, una para cada dato, y tenga en cuenta los índices para mostrar los datos.</a:t>
-            </a:r>
-            <a:endParaRPr lang="es-AR" dirty="0"/>
-          </a:p>
-        </p:txBody>
-      </p:sp>
-      <p:sp>
-        <p:nvSpPr>
-          <p:cNvPr id="4" name="Título 3"/>
-          <p:cNvSpPr>
-            <a:spLocks noGrp="1"/>
-          </p:cNvSpPr>
-          <p:nvPr>
-            <p:ph type="title"/>
-          </p:nvPr>
-        </p:nvSpPr>
-        <p:spPr/>
-        <p:txBody>
-          <a:bodyPr/>
-          <a:lstStyle/>
-          <a:p>
-            <a:r>
-              <a:rPr lang="es-AR" dirty="0" smtClean="0"/>
-              <a:t>Ejercicio: Listas</a:t>
-            </a:r>
-            <a:endParaRPr lang="es-AR" dirty="0"/>
-          </a:p>
-        </p:txBody>
-      </p:sp>
-    </p:spTree>
-    <p:extLst>
-      <p:ext uri="{BB962C8B-B14F-4D97-AF65-F5344CB8AC3E}">
-        <p14:creationId xmlns:p14="http://schemas.microsoft.com/office/powerpoint/2010/main" val="615408354"/>
-      </p:ext>
-    </p:extLst>
-  </p:cSld>
-  <p:clrMapOvr>
-    <a:masterClrMapping/>
-  </p:clrMapOvr>
-</p:sld>
-</file>
-
-<file path=ppt/slides/slide25.xml><?xml version="1.0" encoding="utf-8"?>
-<p:sld xmlns:a="http://schemas.openxmlformats.org/drawingml/2006/main" xmlns:r="http://schemas.openxmlformats.org/officeDocument/2006/relationships" xmlns:p="http://schemas.openxmlformats.org/presentationml/2006/main">
-  <p:cSld>
-    <p:spTree>
-      <p:nvGrpSpPr>
-        <p:cNvPr id="1" name=""/>
-        <p:cNvGrpSpPr/>
-        <p:nvPr/>
-      </p:nvGrpSpPr>
-      <p:grpSpPr>
-        <a:xfrm>
-          <a:off x="0" y="0"/>
-          <a:ext cx="0" cy="0"/>
-          <a:chOff x="0" y="0"/>
-          <a:chExt cx="0" cy="0"/>
-        </a:xfrm>
-      </p:grpSpPr>
       <p:pic>
         <p:nvPicPr>
           <p:cNvPr id="32770" name="Picture 2" descr="http://www.baileysdrivingschool.co.uk/wp-content/uploads/2014/01/Show-Me-Tell-Me.jpg"/>
@@ -9021,10 +7037,9 @@
           <a:p>
             <a:pPr algn="ctr"/>
             <a:r>
-              <a:rPr lang="es-ES" dirty="0" smtClean="0"/>
+              <a:rPr lang="es-ES" dirty="0"/>
               <a:t>¿Preguntas?</a:t>
             </a:r>
-            <a:endParaRPr lang="es-ES" dirty="0"/>
           </a:p>
         </p:txBody>
       </p:sp>
@@ -9033,13 +7048,118 @@
   <p:clrMapOvr>
     <a:masterClrMapping/>
   </p:clrMapOvr>
-  <p:timing>
-    <p:tnLst>
-      <p:par>
-        <p:cTn id="1" dur="indefinite" restart="never" nodeType="tmRoot"/>
-      </p:par>
-    </p:tnLst>
-  </p:timing>
+</p:sld>
+</file>
+
+<file path=ppt/slides/slide2.xml><?xml version="1.0" encoding="utf-8"?>
+<p:sld xmlns:a="http://schemas.openxmlformats.org/drawingml/2006/main" xmlns:r="http://schemas.openxmlformats.org/officeDocument/2006/relationships" xmlns:p="http://schemas.openxmlformats.org/presentationml/2006/main">
+  <p:cSld>
+    <p:spTree>
+      <p:nvGrpSpPr>
+        <p:cNvPr id="1" name=""/>
+        <p:cNvGrpSpPr/>
+        <p:nvPr/>
+      </p:nvGrpSpPr>
+      <p:grpSpPr>
+        <a:xfrm>
+          <a:off x="0" y="0"/>
+          <a:ext cx="0" cy="0"/>
+          <a:chOff x="0" y="0"/>
+          <a:chExt cx="0" cy="0"/>
+        </a:xfrm>
+      </p:grpSpPr>
+      <p:sp>
+        <p:nvSpPr>
+          <p:cNvPr id="3" name="2 Marcador de contenido"/>
+          <p:cNvSpPr>
+            <a:spLocks noGrp="1"/>
+          </p:cNvSpPr>
+          <p:nvPr>
+            <p:ph idx="1"/>
+          </p:nvPr>
+        </p:nvSpPr>
+        <p:spPr>
+          <a:xfrm>
+            <a:off x="467544" y="1354765"/>
+            <a:ext cx="8229600" cy="4594515"/>
+          </a:xfrm>
+        </p:spPr>
+        <p:txBody>
+          <a:bodyPr>
+            <a:normAutofit/>
+          </a:bodyPr>
+          <a:lstStyle/>
+          <a:p>
+            <a:pPr>
+              <a:buNone/>
+            </a:pPr>
+            <a:r>
+              <a:rPr lang="es-ES" dirty="0"/>
+              <a:t>Hasta ahora se han visto tipos de variables que</a:t>
+            </a:r>
+          </a:p>
+          <a:p>
+            <a:pPr>
+              <a:buNone/>
+            </a:pPr>
+            <a:r>
+              <a:rPr lang="es-ES" dirty="0"/>
+              <a:t>representan una entidad indivisible o atómica. </a:t>
+            </a:r>
+          </a:p>
+          <a:p>
+            <a:pPr>
+              <a:buNone/>
+            </a:pPr>
+            <a:r>
+              <a:rPr lang="es-ES" dirty="0"/>
+              <a:t>No obstante en ocasiones puede ser preferible </a:t>
+            </a:r>
+          </a:p>
+          <a:p>
+            <a:pPr>
+              <a:buNone/>
+            </a:pPr>
+            <a:r>
+              <a:rPr lang="es-ES" dirty="0"/>
+              <a:t>trabajar con variables de una forma agrupada. </a:t>
+            </a:r>
+          </a:p>
+          <a:p>
+            <a:pPr>
+              <a:buNone/>
+            </a:pPr>
+            <a:endParaRPr lang="es-ES" dirty="0"/>
+          </a:p>
+        </p:txBody>
+      </p:sp>
+      <p:sp>
+        <p:nvSpPr>
+          <p:cNvPr id="2" name="1 Título"/>
+          <p:cNvSpPr>
+            <a:spLocks noGrp="1"/>
+          </p:cNvSpPr>
+          <p:nvPr>
+            <p:ph type="title"/>
+          </p:nvPr>
+        </p:nvSpPr>
+        <p:spPr/>
+        <p:txBody>
+          <a:bodyPr/>
+          <a:lstStyle/>
+          <a:p>
+            <a:r>
+              <a:rPr lang="es-ES" dirty="0"/>
+              <a:t>Datos estructurados</a:t>
+            </a:r>
+          </a:p>
+        </p:txBody>
+      </p:sp>
+    </p:spTree>
+  </p:cSld>
+  <p:clrMapOvr>
+    <a:masterClrMapping/>
+  </p:clrMapOvr>
 </p:sld>
 </file>
 
@@ -9083,10 +7203,9 @@
           <a:lstStyle/>
           <a:p>
             <a:r>
-              <a:rPr lang="es-ES" dirty="0" smtClean="0"/>
+              <a:rPr lang="es-ES" dirty="0"/>
               <a:t>Vectores</a:t>
             </a:r>
-            <a:endParaRPr lang="es-ES" dirty="0"/>
           </a:p>
         </p:txBody>
       </p:sp>
@@ -9140,74 +7259,38 @@
           <a:p>
             <a:r>
               <a:rPr lang="es-ES" dirty="0"/>
-              <a:t>Un vector es un tipo de variable compuesto por N variables del mismo tipo, por ejemplo un vector de 10 enteros o de 15 </a:t>
-            </a:r>
-            <a:r>
-              <a:rPr lang="es-ES" dirty="0" smtClean="0"/>
-              <a:t>números </a:t>
-            </a:r>
+              <a:t>Un vector es un tipo de variable compuesto por N variables del mismo tipo, por ejemplo un vector de 10 enteros o de 15 números de coma flotante.</a:t>
+            </a:r>
+          </a:p>
+          <a:p>
+            <a:endParaRPr lang="en-US" dirty="0"/>
+          </a:p>
+          <a:p>
             <a:r>
               <a:rPr lang="es-ES" dirty="0"/>
-              <a:t>de coma flotante</a:t>
-            </a:r>
-            <a:r>
-              <a:rPr lang="es-ES" dirty="0" smtClean="0"/>
-              <a:t>.</a:t>
-            </a:r>
-          </a:p>
-          <a:p>
+              <a:t>Por lo tanto las características de un vector son:</a:t>
+            </a:r>
+          </a:p>
+          <a:p>
+            <a:pPr lvl="1"/>
+            <a:r>
+              <a:rPr lang="es-ES" dirty="0"/>
+              <a:t>El tipo de los elementos que lo conforman	</a:t>
+            </a:r>
+          </a:p>
+          <a:p>
+            <a:pPr lvl="1"/>
+            <a:r>
+              <a:rPr lang="es-ES" dirty="0"/>
+              <a:t>El número de elementos </a:t>
+            </a:r>
             <a:endParaRPr lang="en-US" dirty="0"/>
-          </a:p>
-          <a:p>
-            <a:r>
-              <a:rPr lang="es-ES" dirty="0"/>
-              <a:t>Por lo tanto las </a:t>
-            </a:r>
-            <a:r>
-              <a:rPr lang="es-ES" dirty="0" smtClean="0"/>
-              <a:t>características </a:t>
-            </a:r>
-            <a:r>
-              <a:rPr lang="es-ES" dirty="0"/>
-              <a:t>de un vector son</a:t>
-            </a:r>
-            <a:r>
-              <a:rPr lang="es-ES" dirty="0" smtClean="0"/>
-              <a:t>:</a:t>
-            </a:r>
-          </a:p>
-          <a:p>
-            <a:pPr lvl="1"/>
-            <a:r>
-              <a:rPr lang="es-ES" dirty="0"/>
-              <a:t>El tipo de los elementos que lo </a:t>
-            </a:r>
-            <a:r>
-              <a:rPr lang="es-ES" dirty="0" smtClean="0"/>
-              <a:t>conforman	</a:t>
-            </a:r>
-          </a:p>
-          <a:p>
-            <a:pPr lvl="1"/>
-            <a:r>
-              <a:rPr lang="es-ES" dirty="0"/>
-              <a:t>El </a:t>
-            </a:r>
-            <a:r>
-              <a:rPr lang="es-ES" dirty="0" smtClean="0"/>
-              <a:t>número </a:t>
-            </a:r>
-            <a:r>
-              <a:rPr lang="es-ES" dirty="0"/>
-              <a:t>de elementos </a:t>
-            </a:r>
-            <a:endParaRPr lang="en-US" dirty="0" smtClean="0"/>
           </a:p>
           <a:p>
             <a:pPr>
               <a:buNone/>
             </a:pPr>
-            <a:endParaRPr lang="en-US" dirty="0" smtClean="0"/>
+            <a:endParaRPr lang="en-US" dirty="0"/>
           </a:p>
           <a:p>
             <a:pPr>
@@ -9228,13 +7311,6 @@
   <p:clrMapOvr>
     <a:masterClrMapping/>
   </p:clrMapOvr>
-  <p:timing>
-    <p:tnLst>
-      <p:par>
-        <p:cTn id="1" dur="indefinite" restart="never" nodeType="tmRoot"/>
-      </p:par>
-    </p:tnLst>
-  </p:timing>
 </p:sld>
 </file>
 
@@ -9271,95 +7347,95 @@
           <a:lstStyle/>
           <a:p>
             <a:r>
-              <a:rPr lang="en-US" dirty="0" smtClean="0"/>
+              <a:rPr lang="en-US" dirty="0"/>
               <a:t>El </a:t>
             </a:r>
             <a:r>
-              <a:rPr lang="en-US" dirty="0" err="1" smtClean="0"/>
+              <a:rPr lang="en-US" dirty="0" err="1"/>
               <a:t>acceso</a:t>
             </a:r>
             <a:r>
-              <a:rPr lang="en-US" dirty="0" smtClean="0"/>
+              <a:rPr lang="en-US" dirty="0"/>
               <a:t> a </a:t>
             </a:r>
             <a:r>
-              <a:rPr lang="en-US" dirty="0" err="1" smtClean="0"/>
+              <a:rPr lang="en-US" dirty="0" err="1"/>
               <a:t>los</a:t>
             </a:r>
             <a:r>
-              <a:rPr lang="en-US" dirty="0" smtClean="0"/>
+              <a:rPr lang="en-US" dirty="0"/>
               <a:t> </a:t>
             </a:r>
             <a:r>
-              <a:rPr lang="en-US" dirty="0" err="1" smtClean="0"/>
+              <a:rPr lang="en-US" dirty="0" err="1"/>
               <a:t>elementos</a:t>
             </a:r>
             <a:r>
-              <a:rPr lang="en-US" dirty="0" smtClean="0"/>
+              <a:rPr lang="en-US" dirty="0"/>
               <a:t> del vector, </a:t>
             </a:r>
             <a:r>
-              <a:rPr lang="en-US" dirty="0" err="1" smtClean="0"/>
+              <a:rPr lang="en-US" dirty="0" err="1"/>
               <a:t>siempre</a:t>
             </a:r>
             <a:r>
-              <a:rPr lang="en-US" dirty="0" smtClean="0"/>
+              <a:rPr lang="en-US" dirty="0"/>
               <a:t> se </a:t>
             </a:r>
             <a:r>
-              <a:rPr lang="en-US" dirty="0" err="1" smtClean="0"/>
+              <a:rPr lang="en-US" dirty="0" err="1"/>
               <a:t>hace</a:t>
             </a:r>
             <a:r>
-              <a:rPr lang="en-US" dirty="0" smtClean="0"/>
+              <a:rPr lang="en-US" dirty="0"/>
               <a:t> </a:t>
             </a:r>
             <a:r>
-              <a:rPr lang="en-US" dirty="0" err="1" smtClean="0"/>
+              <a:rPr lang="en-US" dirty="0" err="1"/>
               <a:t>mediante</a:t>
             </a:r>
             <a:r>
-              <a:rPr lang="en-US" dirty="0" smtClean="0"/>
+              <a:rPr lang="en-US" dirty="0"/>
               <a:t> un </a:t>
             </a:r>
             <a:r>
-              <a:rPr lang="en-US" dirty="0" err="1" smtClean="0"/>
+              <a:rPr lang="en-US" dirty="0" err="1"/>
               <a:t>índice</a:t>
             </a:r>
             <a:r>
-              <a:rPr lang="en-US" dirty="0" smtClean="0"/>
+              <a:rPr lang="en-US" dirty="0"/>
               <a:t>, </a:t>
             </a:r>
             <a:r>
-              <a:rPr lang="en-US" dirty="0" err="1" smtClean="0"/>
+              <a:rPr lang="en-US" dirty="0" err="1"/>
               <a:t>en</a:t>
             </a:r>
             <a:r>
-              <a:rPr lang="en-US" dirty="0" smtClean="0"/>
+              <a:rPr lang="en-US" dirty="0"/>
               <a:t> C# </a:t>
             </a:r>
             <a:r>
-              <a:rPr lang="en-US" dirty="0" err="1" smtClean="0"/>
+              <a:rPr lang="en-US" dirty="0" err="1"/>
               <a:t>los</a:t>
             </a:r>
             <a:r>
-              <a:rPr lang="en-US" dirty="0" smtClean="0"/>
+              <a:rPr lang="en-US" dirty="0"/>
               <a:t> </a:t>
             </a:r>
             <a:r>
-              <a:rPr lang="en-US" dirty="0" err="1" smtClean="0"/>
+              <a:rPr lang="en-US" dirty="0" err="1"/>
               <a:t>índices</a:t>
             </a:r>
             <a:r>
-              <a:rPr lang="en-US" dirty="0" smtClean="0"/>
+              <a:rPr lang="en-US" dirty="0"/>
               <a:t> </a:t>
             </a:r>
             <a:r>
-              <a:rPr lang="en-US" dirty="0" err="1" smtClean="0"/>
+              <a:rPr lang="en-US" dirty="0" err="1"/>
               <a:t>comienzan</a:t>
             </a:r>
             <a:r>
-              <a:rPr lang="en-US" dirty="0" smtClean="0"/>
+              <a:rPr lang="en-US" dirty="0"/>
               <a:t> de cero.</a:t>
             </a:r>
           </a:p>
@@ -9368,63 +7444,63 @@
           </a:p>
           <a:p>
             <a:r>
-              <a:rPr lang="en-US" dirty="0" smtClean="0"/>
+              <a:rPr lang="en-US" dirty="0"/>
               <a:t>Variables string: </a:t>
             </a:r>
             <a:r>
-              <a:rPr lang="en-US" dirty="0" err="1" smtClean="0"/>
+              <a:rPr lang="en-US" dirty="0" err="1"/>
               <a:t>También</a:t>
             </a:r>
             <a:r>
-              <a:rPr lang="en-US" dirty="0" smtClean="0"/>
+              <a:rPr lang="en-US" dirty="0"/>
               <a:t> se </a:t>
             </a:r>
             <a:r>
-              <a:rPr lang="en-US" dirty="0" err="1" smtClean="0"/>
+              <a:rPr lang="en-US" dirty="0" err="1"/>
               <a:t>llaman</a:t>
             </a:r>
             <a:r>
-              <a:rPr lang="en-US" dirty="0" smtClean="0"/>
+              <a:rPr lang="en-US" dirty="0"/>
               <a:t> “</a:t>
             </a:r>
             <a:r>
-              <a:rPr lang="en-US" dirty="0" err="1" smtClean="0"/>
+              <a:rPr lang="en-US" dirty="0" err="1"/>
               <a:t>Cadenas</a:t>
             </a:r>
             <a:r>
-              <a:rPr lang="en-US" dirty="0" smtClean="0"/>
+              <a:rPr lang="en-US" dirty="0"/>
               <a:t> de </a:t>
             </a:r>
             <a:r>
-              <a:rPr lang="en-US" dirty="0" err="1" smtClean="0"/>
+              <a:rPr lang="en-US" dirty="0" err="1"/>
               <a:t>caracteres</a:t>
             </a:r>
             <a:r>
-              <a:rPr lang="en-US" dirty="0" smtClean="0"/>
+              <a:rPr lang="en-US" dirty="0"/>
               <a:t>”. </a:t>
             </a:r>
             <a:r>
-              <a:rPr lang="en-US" dirty="0" err="1" smtClean="0"/>
+              <a:rPr lang="en-US" dirty="0" err="1"/>
               <a:t>Puede</a:t>
             </a:r>
             <a:r>
-              <a:rPr lang="en-US" dirty="0" smtClean="0"/>
+              <a:rPr lang="en-US" dirty="0"/>
               <a:t> verse </a:t>
             </a:r>
             <a:r>
-              <a:rPr lang="en-US" dirty="0" err="1" smtClean="0"/>
+              <a:rPr lang="en-US" dirty="0" err="1"/>
               <a:t>como</a:t>
             </a:r>
             <a:r>
-              <a:rPr lang="en-US" dirty="0" smtClean="0"/>
+              <a:rPr lang="en-US" dirty="0"/>
               <a:t> un vector de variables de </a:t>
             </a:r>
             <a:r>
-              <a:rPr lang="en-US" dirty="0" err="1" smtClean="0"/>
+              <a:rPr lang="en-US" dirty="0" err="1"/>
               <a:t>tipo</a:t>
             </a:r>
             <a:r>
-              <a:rPr lang="en-US" dirty="0" smtClean="0"/>
+              <a:rPr lang="en-US" dirty="0"/>
               <a:t> char.</a:t>
             </a:r>
             <a:endParaRPr lang="es-ES" dirty="0"/>
@@ -9447,7 +7523,7 @@
           <a:lstStyle/>
           <a:p>
             <a:r>
-              <a:rPr lang="en-US" dirty="0" err="1" smtClean="0"/>
+              <a:rPr lang="en-US" dirty="0" err="1"/>
               <a:t>Vectores</a:t>
             </a:r>
             <a:endParaRPr lang="es-ES" dirty="0"/>
@@ -9500,7 +7576,7 @@
           <a:lstStyle/>
           <a:p>
             <a:r>
-              <a:rPr lang="en-US" dirty="0" err="1" smtClean="0"/>
+              <a:rPr lang="en-US" dirty="0" err="1"/>
               <a:t>Vectores</a:t>
             </a:r>
             <a:endParaRPr lang="es-ES" dirty="0"/>
@@ -9596,57 +7672,57 @@
           <a:lstStyle/>
           <a:p>
             <a:r>
-              <a:rPr lang="en-US" dirty="0" err="1" smtClean="0"/>
+              <a:rPr lang="en-US" dirty="0" err="1"/>
               <a:t>Ejemplo</a:t>
             </a:r>
             <a:r>
-              <a:rPr lang="en-US" dirty="0" smtClean="0"/>
+              <a:rPr lang="en-US" dirty="0"/>
               <a:t> </a:t>
             </a:r>
             <a:r>
-              <a:rPr lang="en-US" dirty="0" err="1" smtClean="0"/>
+              <a:rPr lang="en-US" dirty="0" err="1"/>
               <a:t>gráfico</a:t>
             </a:r>
             <a:r>
-              <a:rPr lang="en-US" dirty="0" smtClean="0"/>
+              <a:rPr lang="en-US" dirty="0"/>
               <a:t>:</a:t>
             </a:r>
           </a:p>
           <a:p>
             <a:r>
-              <a:rPr lang="en-US" dirty="0" smtClean="0"/>
+              <a:rPr lang="en-US" dirty="0"/>
               <a:t>String palabra = “HOLA MUNDO” </a:t>
             </a:r>
             <a:r>
-              <a:rPr lang="en-US" dirty="0" err="1" smtClean="0"/>
+              <a:rPr lang="en-US" dirty="0" err="1"/>
               <a:t>representado</a:t>
             </a:r>
             <a:r>
-              <a:rPr lang="en-US" dirty="0" smtClean="0"/>
+              <a:rPr lang="en-US" dirty="0"/>
               <a:t> </a:t>
             </a:r>
             <a:r>
-              <a:rPr lang="en-US" dirty="0" err="1" smtClean="0"/>
+              <a:rPr lang="en-US" dirty="0" err="1"/>
               <a:t>como</a:t>
             </a:r>
             <a:r>
-              <a:rPr lang="en-US" dirty="0" smtClean="0"/>
+              <a:rPr lang="en-US" dirty="0"/>
               <a:t> </a:t>
             </a:r>
             <a:r>
-              <a:rPr lang="en-US" dirty="0" err="1" smtClean="0"/>
+              <a:rPr lang="en-US" dirty="0" err="1"/>
               <a:t>cadena</a:t>
             </a:r>
             <a:r>
-              <a:rPr lang="en-US" dirty="0" smtClean="0"/>
+              <a:rPr lang="en-US" dirty="0"/>
               <a:t> de </a:t>
             </a:r>
             <a:r>
-              <a:rPr lang="en-US" dirty="0" err="1" smtClean="0"/>
+              <a:rPr lang="en-US" dirty="0" err="1"/>
               <a:t>caracteres</a:t>
             </a:r>
             <a:r>
-              <a:rPr lang="en-US" dirty="0" smtClean="0"/>
+              <a:rPr lang="en-US" dirty="0"/>
               <a:t> o vector.</a:t>
             </a:r>
             <a:endParaRPr lang="es-ES" dirty="0"/>
@@ -9669,7 +7745,7 @@
           <a:lstStyle/>
           <a:p>
             <a:r>
-              <a:rPr lang="en-US" dirty="0" err="1" smtClean="0"/>
+              <a:rPr lang="en-US" dirty="0" err="1"/>
               <a:t>Vectores</a:t>
             </a:r>
             <a:endParaRPr lang="es-ES" dirty="0"/>
@@ -9704,77 +7780,77 @@
                 <a:gridCol w="748145">
                   <a:extLst>
                     <a:ext uri="{9D8B030D-6E8A-4147-A177-3AD203B41FA5}">
-                      <a16:colId xmlns:a16="http://schemas.microsoft.com/office/drawing/2014/main" xmlns="" val="20000"/>
+                      <a16:colId xmlns:a16="http://schemas.microsoft.com/office/drawing/2014/main" val="20000"/>
                     </a:ext>
                   </a:extLst>
                 </a:gridCol>
                 <a:gridCol w="748145">
                   <a:extLst>
                     <a:ext uri="{9D8B030D-6E8A-4147-A177-3AD203B41FA5}">
-                      <a16:colId xmlns:a16="http://schemas.microsoft.com/office/drawing/2014/main" xmlns="" val="20001"/>
+                      <a16:colId xmlns:a16="http://schemas.microsoft.com/office/drawing/2014/main" val="20001"/>
                     </a:ext>
                   </a:extLst>
                 </a:gridCol>
                 <a:gridCol w="748145">
                   <a:extLst>
                     <a:ext uri="{9D8B030D-6E8A-4147-A177-3AD203B41FA5}">
-                      <a16:colId xmlns:a16="http://schemas.microsoft.com/office/drawing/2014/main" xmlns="" val="20002"/>
+                      <a16:colId xmlns:a16="http://schemas.microsoft.com/office/drawing/2014/main" val="20002"/>
                     </a:ext>
                   </a:extLst>
                 </a:gridCol>
                 <a:gridCol w="748145">
                   <a:extLst>
                     <a:ext uri="{9D8B030D-6E8A-4147-A177-3AD203B41FA5}">
-                      <a16:colId xmlns:a16="http://schemas.microsoft.com/office/drawing/2014/main" xmlns="" val="20003"/>
+                      <a16:colId xmlns:a16="http://schemas.microsoft.com/office/drawing/2014/main" val="20003"/>
                     </a:ext>
                   </a:extLst>
                 </a:gridCol>
                 <a:gridCol w="748145">
                   <a:extLst>
                     <a:ext uri="{9D8B030D-6E8A-4147-A177-3AD203B41FA5}">
-                      <a16:colId xmlns:a16="http://schemas.microsoft.com/office/drawing/2014/main" xmlns="" val="20004"/>
+                      <a16:colId xmlns:a16="http://schemas.microsoft.com/office/drawing/2014/main" val="20004"/>
                     </a:ext>
                   </a:extLst>
                 </a:gridCol>
                 <a:gridCol w="748145">
                   <a:extLst>
                     <a:ext uri="{9D8B030D-6E8A-4147-A177-3AD203B41FA5}">
-                      <a16:colId xmlns:a16="http://schemas.microsoft.com/office/drawing/2014/main" xmlns="" val="20005"/>
+                      <a16:colId xmlns:a16="http://schemas.microsoft.com/office/drawing/2014/main" val="20005"/>
                     </a:ext>
                   </a:extLst>
                 </a:gridCol>
                 <a:gridCol w="748145">
                   <a:extLst>
                     <a:ext uri="{9D8B030D-6E8A-4147-A177-3AD203B41FA5}">
-                      <a16:colId xmlns:a16="http://schemas.microsoft.com/office/drawing/2014/main" xmlns="" val="20006"/>
+                      <a16:colId xmlns:a16="http://schemas.microsoft.com/office/drawing/2014/main" val="20006"/>
                     </a:ext>
                   </a:extLst>
                 </a:gridCol>
                 <a:gridCol w="748145">
                   <a:extLst>
                     <a:ext uri="{9D8B030D-6E8A-4147-A177-3AD203B41FA5}">
-                      <a16:colId xmlns:a16="http://schemas.microsoft.com/office/drawing/2014/main" xmlns="" val="20007"/>
+                      <a16:colId xmlns:a16="http://schemas.microsoft.com/office/drawing/2014/main" val="20007"/>
                     </a:ext>
                   </a:extLst>
                 </a:gridCol>
                 <a:gridCol w="748145">
                   <a:extLst>
                     <a:ext uri="{9D8B030D-6E8A-4147-A177-3AD203B41FA5}">
-                      <a16:colId xmlns:a16="http://schemas.microsoft.com/office/drawing/2014/main" xmlns="" val="20008"/>
+                      <a16:colId xmlns:a16="http://schemas.microsoft.com/office/drawing/2014/main" val="20008"/>
                     </a:ext>
                   </a:extLst>
                 </a:gridCol>
                 <a:gridCol w="748145">
                   <a:extLst>
                     <a:ext uri="{9D8B030D-6E8A-4147-A177-3AD203B41FA5}">
-                      <a16:colId xmlns:a16="http://schemas.microsoft.com/office/drawing/2014/main" xmlns="" val="20009"/>
+                      <a16:colId xmlns:a16="http://schemas.microsoft.com/office/drawing/2014/main" val="20009"/>
                     </a:ext>
                   </a:extLst>
                 </a:gridCol>
                 <a:gridCol w="593790">
                   <a:extLst>
                     <a:ext uri="{9D8B030D-6E8A-4147-A177-3AD203B41FA5}">
-                      <a16:colId xmlns:a16="http://schemas.microsoft.com/office/drawing/2014/main" xmlns="" val="20010"/>
+                      <a16:colId xmlns:a16="http://schemas.microsoft.com/office/drawing/2014/main" val="20010"/>
                     </a:ext>
                   </a:extLst>
                 </a:gridCol>
@@ -10035,7 +8111,7 @@
                 </a:tc>
                 <a:extLst>
                   <a:ext uri="{0D108BD9-81ED-4DB2-BD59-A6C34878D82A}">
-                    <a16:rowId xmlns:a16="http://schemas.microsoft.com/office/drawing/2014/main" xmlns="" val="10000"/>
+                    <a16:rowId xmlns:a16="http://schemas.microsoft.com/office/drawing/2014/main" val="10000"/>
                   </a:ext>
                 </a:extLst>
               </a:tr>
@@ -10289,7 +8365,7 @@
                 </a:tc>
                 <a:extLst>
                   <a:ext uri="{0D108BD9-81ED-4DB2-BD59-A6C34878D82A}">
-                    <a16:rowId xmlns:a16="http://schemas.microsoft.com/office/drawing/2014/main" xmlns="" val="10001"/>
+                    <a16:rowId xmlns:a16="http://schemas.microsoft.com/office/drawing/2014/main" val="10001"/>
                   </a:ext>
                 </a:extLst>
               </a:tr>
@@ -10343,19 +8419,19 @@
           <a:lstStyle/>
           <a:p>
             <a:r>
-              <a:rPr lang="en-US" dirty="0" err="1" smtClean="0"/>
+              <a:rPr lang="en-US" dirty="0" err="1"/>
               <a:t>Vectores</a:t>
             </a:r>
             <a:r>
-              <a:rPr lang="en-US" dirty="0" smtClean="0"/>
+              <a:rPr lang="en-US" dirty="0"/>
               <a:t> </a:t>
             </a:r>
             <a:r>
-              <a:rPr lang="en-US" dirty="0" err="1" smtClean="0"/>
+              <a:rPr lang="en-US" dirty="0" err="1"/>
               <a:t>en</a:t>
             </a:r>
             <a:r>
-              <a:rPr lang="en-US" dirty="0" smtClean="0"/>
+              <a:rPr lang="en-US" dirty="0"/>
               <a:t> C#: Array</a:t>
             </a:r>
             <a:endParaRPr lang="es-ES" dirty="0"/>
@@ -10380,115 +8456,115 @@
           <a:lstStyle/>
           <a:p>
             <a:r>
-              <a:rPr lang="en-US" dirty="0" err="1" smtClean="0"/>
+              <a:rPr lang="en-US" dirty="0" err="1"/>
               <a:t>Definición</a:t>
             </a:r>
             <a:r>
-              <a:rPr lang="en-US" dirty="0" smtClean="0"/>
+              <a:rPr lang="en-US" dirty="0"/>
               <a:t> de </a:t>
             </a:r>
             <a:r>
-              <a:rPr lang="en-US" dirty="0" err="1" smtClean="0"/>
+              <a:rPr lang="en-US" dirty="0" err="1"/>
               <a:t>vectores</a:t>
             </a:r>
             <a:r>
-              <a:rPr lang="en-US" dirty="0" smtClean="0"/>
+              <a:rPr lang="en-US" dirty="0"/>
               <a:t>: </a:t>
             </a:r>
             <a:r>
-              <a:rPr lang="en-US" dirty="0" err="1" smtClean="0"/>
+              <a:rPr lang="en-US" dirty="0" err="1"/>
               <a:t>cada</a:t>
             </a:r>
             <a:r>
-              <a:rPr lang="en-US" dirty="0" smtClean="0"/>
+              <a:rPr lang="en-US" dirty="0"/>
               <a:t> vector </a:t>
             </a:r>
             <a:r>
-              <a:rPr lang="en-US" dirty="0" err="1" smtClean="0"/>
+              <a:rPr lang="en-US" dirty="0" err="1"/>
               <a:t>debe</a:t>
             </a:r>
             <a:r>
-              <a:rPr lang="en-US" dirty="0" smtClean="0"/>
+              <a:rPr lang="en-US" dirty="0"/>
               <a:t> </a:t>
             </a:r>
             <a:r>
-              <a:rPr lang="en-US" dirty="0" err="1" smtClean="0"/>
+              <a:rPr lang="en-US" dirty="0" err="1"/>
               <a:t>tener</a:t>
             </a:r>
             <a:r>
-              <a:rPr lang="en-US" dirty="0" smtClean="0"/>
+              <a:rPr lang="en-US" dirty="0"/>
               <a:t> un </a:t>
             </a:r>
             <a:r>
-              <a:rPr lang="en-US" dirty="0" err="1" smtClean="0"/>
+              <a:rPr lang="en-US" dirty="0" err="1"/>
               <a:t>tipo</a:t>
             </a:r>
             <a:r>
-              <a:rPr lang="en-US" dirty="0" smtClean="0"/>
+              <a:rPr lang="en-US" dirty="0"/>
               <a:t> de </a:t>
             </a:r>
             <a:r>
-              <a:rPr lang="en-US" dirty="0" err="1" smtClean="0"/>
+              <a:rPr lang="en-US" dirty="0" err="1"/>
               <a:t>datos</a:t>
             </a:r>
             <a:r>
-              <a:rPr lang="en-US" dirty="0" smtClean="0"/>
+              <a:rPr lang="en-US" dirty="0"/>
               <a:t> </a:t>
             </a:r>
             <a:r>
-              <a:rPr lang="en-US" dirty="0" err="1" smtClean="0"/>
+              <a:rPr lang="en-US" dirty="0" err="1"/>
               <a:t>definido</a:t>
             </a:r>
             <a:r>
-              <a:rPr lang="en-US" dirty="0" smtClean="0"/>
+              <a:rPr lang="en-US" dirty="0"/>
               <a:t>, y </a:t>
             </a:r>
             <a:r>
-              <a:rPr lang="en-US" dirty="0" err="1" smtClean="0"/>
+              <a:rPr lang="en-US" dirty="0" err="1"/>
               <a:t>una</a:t>
             </a:r>
             <a:r>
-              <a:rPr lang="en-US" dirty="0" smtClean="0"/>
+              <a:rPr lang="en-US" dirty="0"/>
               <a:t> </a:t>
             </a:r>
             <a:r>
-              <a:rPr lang="en-US" dirty="0" err="1" smtClean="0"/>
+              <a:rPr lang="en-US" dirty="0" err="1"/>
               <a:t>cantidad</a:t>
             </a:r>
             <a:r>
-              <a:rPr lang="en-US" dirty="0" smtClean="0"/>
+              <a:rPr lang="en-US" dirty="0"/>
               <a:t> de </a:t>
             </a:r>
             <a:r>
-              <a:rPr lang="en-US" dirty="0" err="1" smtClean="0"/>
+              <a:rPr lang="en-US" dirty="0" err="1"/>
               <a:t>elementos</a:t>
             </a:r>
             <a:r>
-              <a:rPr lang="en-US" dirty="0" smtClean="0"/>
+              <a:rPr lang="en-US" dirty="0"/>
               <a:t> </a:t>
             </a:r>
             <a:r>
-              <a:rPr lang="en-US" dirty="0" err="1" smtClean="0"/>
+              <a:rPr lang="en-US" dirty="0" err="1"/>
               <a:t>definida</a:t>
             </a:r>
             <a:r>
-              <a:rPr lang="en-US" dirty="0" smtClean="0"/>
+              <a:rPr lang="en-US" dirty="0"/>
               <a:t> que no </a:t>
             </a:r>
             <a:r>
-              <a:rPr lang="en-US" dirty="0" err="1" smtClean="0"/>
+              <a:rPr lang="en-US" dirty="0" err="1"/>
               <a:t>es</a:t>
             </a:r>
             <a:r>
-              <a:rPr lang="en-US" dirty="0" smtClean="0"/>
+              <a:rPr lang="en-US" dirty="0"/>
               <a:t> </a:t>
             </a:r>
             <a:r>
-              <a:rPr lang="en-US" dirty="0" err="1" smtClean="0"/>
+              <a:rPr lang="en-US" dirty="0" err="1"/>
               <a:t>obligatoria</a:t>
             </a:r>
             <a:r>
-              <a:rPr lang="en-US" dirty="0" smtClean="0"/>
+              <a:rPr lang="en-US" dirty="0"/>
               <a:t>.</a:t>
             </a:r>
           </a:p>
@@ -10496,24 +8572,12 @@
             <a:endParaRPr lang="en-US" dirty="0"/>
           </a:p>
           <a:p>
-            <a:endParaRPr lang="es-ES" dirty="0" smtClean="0"/>
-          </a:p>
-          <a:p>
-            <a:r>
-              <a:rPr lang="es-ES" dirty="0" smtClean="0"/>
-              <a:t>Es </a:t>
-            </a:r>
+            <a:endParaRPr lang="es-ES" dirty="0"/>
+          </a:p>
+          <a:p>
             <a:r>
               <a:rPr lang="es-ES" dirty="0"/>
-              <a:t>posible inicializar una matriz en el momento de su declaración, en cuyo caso, no es necesario el especificador de rango ya que éste viene dado por el número de elementos de la lista de inicialización</a:t>
-            </a:r>
-            <a:r>
-              <a:rPr lang="es-ES" dirty="0" smtClean="0"/>
-              <a:t>. Por </a:t>
-            </a:r>
-            <a:r>
-              <a:rPr lang="es-ES" dirty="0"/>
-              <a:t>ejemplo:</a:t>
+              <a:t>Es posible inicializar una matriz en el momento de su declaración, en cuyo caso, no es necesario el especificador de rango ya que éste viene dado por el número de elementos de la lista de inicialización. Por ejemplo:</a:t>
             </a:r>
           </a:p>
         </p:txBody>
@@ -10613,91 +8677,63 @@
           <a:p>
             <a:r>
               <a:rPr lang="es-ES" dirty="0"/>
-              <a:t>Las matrices se distinguen de los vectores en que la </a:t>
-            </a:r>
-            <a:r>
-              <a:rPr lang="es-ES" dirty="0" smtClean="0"/>
-              <a:t>disposición </a:t>
-            </a:r>
+              <a:t>Las matrices se distinguen de los vectores en que la disposición de los elementos no es unidimensional sino bidimensional.</a:t>
+            </a:r>
+          </a:p>
+          <a:p>
             <a:r>
               <a:rPr lang="es-ES" dirty="0"/>
-              <a:t>de los elementos no es unidimensional sino bidimensional</a:t>
-            </a:r>
-            <a:r>
-              <a:rPr lang="es-ES" dirty="0" smtClean="0"/>
+              <a:t>Para acceder a los elementos se requieren dos índices en lugar de uno.</a:t>
+            </a:r>
+          </a:p>
+          <a:p>
+            <a:r>
+              <a:rPr lang="en-US" dirty="0" err="1"/>
+              <a:t>También</a:t>
+            </a:r>
+            <a:r>
+              <a:rPr lang="en-US" dirty="0"/>
+              <a:t> </a:t>
+            </a:r>
+            <a:r>
+              <a:rPr lang="en-US" dirty="0" err="1"/>
+              <a:t>llamados</a:t>
+            </a:r>
+            <a:r>
+              <a:rPr lang="en-US" dirty="0"/>
+              <a:t> </a:t>
+            </a:r>
+            <a:r>
+              <a:rPr lang="en-US" dirty="0" err="1"/>
+              <a:t>vectores</a:t>
+            </a:r>
+            <a:r>
+              <a:rPr lang="en-US" dirty="0"/>
+              <a:t> </a:t>
+            </a:r>
+            <a:r>
+              <a:rPr lang="en-US" dirty="0" err="1"/>
+              <a:t>multidimensionales</a:t>
+            </a:r>
+            <a:r>
+              <a:rPr lang="en-US" dirty="0"/>
               <a:t>.</a:t>
             </a:r>
           </a:p>
           <a:p>
-            <a:r>
-              <a:rPr lang="es-ES" dirty="0" smtClean="0"/>
-              <a:t>Para </a:t>
-            </a:r>
-            <a:r>
-              <a:rPr lang="es-ES" dirty="0"/>
-              <a:t>acceder a los elementos se requieren dos </a:t>
-            </a:r>
-            <a:r>
-              <a:rPr lang="es-ES" dirty="0" smtClean="0"/>
-              <a:t>índices </a:t>
-            </a:r>
-            <a:r>
-              <a:rPr lang="es-ES" dirty="0"/>
-              <a:t>en lugar de </a:t>
-            </a:r>
-            <a:r>
-              <a:rPr lang="es-ES" dirty="0" smtClean="0"/>
-              <a:t>uno.</a:t>
-            </a:r>
-          </a:p>
-          <a:p>
-            <a:r>
-              <a:rPr lang="en-US" dirty="0" err="1" smtClean="0"/>
-              <a:t>También</a:t>
-            </a:r>
-            <a:r>
-              <a:rPr lang="en-US" dirty="0" smtClean="0"/>
-              <a:t> </a:t>
-            </a:r>
-            <a:r>
-              <a:rPr lang="en-US" dirty="0" err="1" smtClean="0"/>
-              <a:t>llamados</a:t>
-            </a:r>
-            <a:r>
-              <a:rPr lang="en-US" dirty="0" smtClean="0"/>
-              <a:t> </a:t>
-            </a:r>
-            <a:r>
-              <a:rPr lang="en-US" dirty="0" err="1" smtClean="0"/>
-              <a:t>vectores</a:t>
-            </a:r>
-            <a:r>
-              <a:rPr lang="en-US" dirty="0" smtClean="0"/>
-              <a:t> </a:t>
-            </a:r>
-            <a:r>
-              <a:rPr lang="en-US" dirty="0" err="1" smtClean="0"/>
-              <a:t>multidimensionales</a:t>
-            </a:r>
-            <a:r>
-              <a:rPr lang="en-US" dirty="0" smtClean="0"/>
-              <a:t>.</a:t>
-            </a:r>
-          </a:p>
-          <a:p>
-            <a:endParaRPr lang="en-US" dirty="0" smtClean="0"/>
-          </a:p>
-          <a:p>
-            <a:r>
-              <a:rPr lang="en-US" dirty="0" err="1" smtClean="0"/>
+            <a:endParaRPr lang="en-US" dirty="0"/>
+          </a:p>
+          <a:p>
+            <a:r>
+              <a:rPr lang="en-US" dirty="0" err="1"/>
               <a:t>Definición</a:t>
             </a:r>
             <a:r>
-              <a:rPr lang="en-US" dirty="0" smtClean="0"/>
+              <a:rPr lang="en-US" dirty="0"/>
               <a:t>: string[,] </a:t>
             </a:r>
             <a:r>
-              <a:rPr lang="en-US" dirty="0" err="1" smtClean="0"/>
+              <a:rPr lang="en-US" dirty="0" err="1"/>
               <a:t>matriz</a:t>
             </a:r>
             <a:r>
@@ -10776,7 +8812,7 @@
           <a:lstStyle/>
           <a:p>
             <a:r>
-              <a:rPr lang="en-US" dirty="0" smtClean="0"/>
+              <a:rPr lang="en-US" dirty="0"/>
               <a:t>Matrices</a:t>
             </a:r>
             <a:endParaRPr lang="es-ES" dirty="0"/>
